--- a/Figures/ris.pptx
+++ b/Figures/ris.pptx
@@ -104,6 +104,11 @@
       </a:defRPr>
     </a:lvl9pPr>
   </p:defaultTextStyle>
+  <p:extLst>
+    <p:ext uri="{EFAFB233-063F-42B5-8137-9DF3F51BA10A}">
+      <p15:sldGuideLst xmlns:p15="http://schemas.microsoft.com/office/powerpoint/2012/main"/>
+    </p:ext>
+  </p:extLst>
 </p:presentation>
 </file>
 
@@ -112,12 +117,12 @@
   <pc:docChgLst>
     <pc:chgData userId="d70ee545ee25833c" providerId="LiveId" clId="{063DA4DB-3DEE-4DB4-9788-C4B538D33AA2}"/>
     <pc:docChg chg="undo custSel addSld modSld">
-      <pc:chgData name="" userId="d70ee545ee25833c" providerId="LiveId" clId="{063DA4DB-3DEE-4DB4-9788-C4B538D33AA2}" dt="2021-05-12T11:51:47.470" v="373" actId="1076"/>
+      <pc:chgData name="" userId="d70ee545ee25833c" providerId="LiveId" clId="{063DA4DB-3DEE-4DB4-9788-C4B538D33AA2}" dt="2021-05-12T13:12:41.503" v="430" actId="20577"/>
       <pc:docMkLst>
         <pc:docMk/>
       </pc:docMkLst>
       <pc:sldChg chg="addSp delSp modSp add">
-        <pc:chgData name="" userId="d70ee545ee25833c" providerId="LiveId" clId="{063DA4DB-3DEE-4DB4-9788-C4B538D33AA2}" dt="2021-05-12T11:51:47.470" v="373" actId="1076"/>
+        <pc:chgData name="" userId="d70ee545ee25833c" providerId="LiveId" clId="{063DA4DB-3DEE-4DB4-9788-C4B538D33AA2}" dt="2021-05-12T13:12:41.503" v="430" actId="20577"/>
         <pc:sldMkLst>
           <pc:docMk/>
           <pc:sldMk cId="3595125564" sldId="256"/>
@@ -139,7 +144,7 @@
           </ac:spMkLst>
         </pc:spChg>
         <pc:spChg chg="add mod">
-          <ac:chgData name="" userId="d70ee545ee25833c" providerId="LiveId" clId="{063DA4DB-3DEE-4DB4-9788-C4B538D33AA2}" dt="2021-05-12T11:49:16.111" v="337" actId="2711"/>
+          <ac:chgData name="" userId="d70ee545ee25833c" providerId="LiveId" clId="{063DA4DB-3DEE-4DB4-9788-C4B538D33AA2}" dt="2021-05-12T13:08:38.767" v="384" actId="113"/>
           <ac:spMkLst>
             <pc:docMk/>
             <pc:sldMk cId="3595125564" sldId="256"/>
@@ -147,7 +152,7 @@
           </ac:spMkLst>
         </pc:spChg>
         <pc:spChg chg="add mod">
-          <ac:chgData name="" userId="d70ee545ee25833c" providerId="LiveId" clId="{063DA4DB-3DEE-4DB4-9788-C4B538D33AA2}" dt="2021-05-12T11:49:16.111" v="337" actId="2711"/>
+          <ac:chgData name="" userId="d70ee545ee25833c" providerId="LiveId" clId="{063DA4DB-3DEE-4DB4-9788-C4B538D33AA2}" dt="2021-05-12T13:08:38.767" v="384" actId="113"/>
           <ac:spMkLst>
             <pc:docMk/>
             <pc:sldMk cId="3595125564" sldId="256"/>
@@ -155,7 +160,7 @@
           </ac:spMkLst>
         </pc:spChg>
         <pc:spChg chg="add mod">
-          <ac:chgData name="" userId="d70ee545ee25833c" providerId="LiveId" clId="{063DA4DB-3DEE-4DB4-9788-C4B538D33AA2}" dt="2021-05-12T11:49:16.111" v="337" actId="2711"/>
+          <ac:chgData name="" userId="d70ee545ee25833c" providerId="LiveId" clId="{063DA4DB-3DEE-4DB4-9788-C4B538D33AA2}" dt="2021-05-12T13:08:38.767" v="384" actId="113"/>
           <ac:spMkLst>
             <pc:docMk/>
             <pc:sldMk cId="3595125564" sldId="256"/>
@@ -163,7 +168,7 @@
           </ac:spMkLst>
         </pc:spChg>
         <pc:spChg chg="add mod">
-          <ac:chgData name="" userId="d70ee545ee25833c" providerId="LiveId" clId="{063DA4DB-3DEE-4DB4-9788-C4B538D33AA2}" dt="2021-05-12T11:49:16.111" v="337" actId="2711"/>
+          <ac:chgData name="" userId="d70ee545ee25833c" providerId="LiveId" clId="{063DA4DB-3DEE-4DB4-9788-C4B538D33AA2}" dt="2021-05-12T13:08:38.767" v="384" actId="113"/>
           <ac:spMkLst>
             <pc:docMk/>
             <pc:sldMk cId="3595125564" sldId="256"/>
@@ -171,7 +176,7 @@
           </ac:spMkLst>
         </pc:spChg>
         <pc:spChg chg="add mod">
-          <ac:chgData name="" userId="d70ee545ee25833c" providerId="LiveId" clId="{063DA4DB-3DEE-4DB4-9788-C4B538D33AA2}" dt="2021-05-12T11:49:16.111" v="337" actId="2711"/>
+          <ac:chgData name="" userId="d70ee545ee25833c" providerId="LiveId" clId="{063DA4DB-3DEE-4DB4-9788-C4B538D33AA2}" dt="2021-05-12T13:08:38.767" v="384" actId="113"/>
           <ac:spMkLst>
             <pc:docMk/>
             <pc:sldMk cId="3595125564" sldId="256"/>
@@ -179,7 +184,7 @@
           </ac:spMkLst>
         </pc:spChg>
         <pc:spChg chg="add mod">
-          <ac:chgData name="" userId="d70ee545ee25833c" providerId="LiveId" clId="{063DA4DB-3DEE-4DB4-9788-C4B538D33AA2}" dt="2021-05-12T11:49:16.111" v="337" actId="2711"/>
+          <ac:chgData name="" userId="d70ee545ee25833c" providerId="LiveId" clId="{063DA4DB-3DEE-4DB4-9788-C4B538D33AA2}" dt="2021-05-12T13:08:38.767" v="384" actId="113"/>
           <ac:spMkLst>
             <pc:docMk/>
             <pc:sldMk cId="3595125564" sldId="256"/>
@@ -187,7 +192,7 @@
           </ac:spMkLst>
         </pc:spChg>
         <pc:spChg chg="add mod">
-          <ac:chgData name="" userId="d70ee545ee25833c" providerId="LiveId" clId="{063DA4DB-3DEE-4DB4-9788-C4B538D33AA2}" dt="2021-05-12T11:49:16.111" v="337" actId="2711"/>
+          <ac:chgData name="" userId="d70ee545ee25833c" providerId="LiveId" clId="{063DA4DB-3DEE-4DB4-9788-C4B538D33AA2}" dt="2021-05-12T13:08:38.767" v="384" actId="113"/>
           <ac:spMkLst>
             <pc:docMk/>
             <pc:sldMk cId="3595125564" sldId="256"/>
@@ -195,7 +200,7 @@
           </ac:spMkLst>
         </pc:spChg>
         <pc:spChg chg="add mod">
-          <ac:chgData name="" userId="d70ee545ee25833c" providerId="LiveId" clId="{063DA4DB-3DEE-4DB4-9788-C4B538D33AA2}" dt="2021-05-12T11:49:16.111" v="337" actId="2711"/>
+          <ac:chgData name="" userId="d70ee545ee25833c" providerId="LiveId" clId="{063DA4DB-3DEE-4DB4-9788-C4B538D33AA2}" dt="2021-05-12T13:08:38.767" v="384" actId="113"/>
           <ac:spMkLst>
             <pc:docMk/>
             <pc:sldMk cId="3595125564" sldId="256"/>
@@ -203,7 +208,7 @@
           </ac:spMkLst>
         </pc:spChg>
         <pc:spChg chg="add mod">
-          <ac:chgData name="" userId="d70ee545ee25833c" providerId="LiveId" clId="{063DA4DB-3DEE-4DB4-9788-C4B538D33AA2}" dt="2021-05-12T11:49:16.111" v="337" actId="2711"/>
+          <ac:chgData name="" userId="d70ee545ee25833c" providerId="LiveId" clId="{063DA4DB-3DEE-4DB4-9788-C4B538D33AA2}" dt="2021-05-12T13:08:38.767" v="384" actId="113"/>
           <ac:spMkLst>
             <pc:docMk/>
             <pc:sldMk cId="3595125564" sldId="256"/>
@@ -211,7 +216,7 @@
           </ac:spMkLst>
         </pc:spChg>
         <pc:spChg chg="add mod">
-          <ac:chgData name="" userId="d70ee545ee25833c" providerId="LiveId" clId="{063DA4DB-3DEE-4DB4-9788-C4B538D33AA2}" dt="2021-05-12T11:49:16.111" v="337" actId="2711"/>
+          <ac:chgData name="" userId="d70ee545ee25833c" providerId="LiveId" clId="{063DA4DB-3DEE-4DB4-9788-C4B538D33AA2}" dt="2021-05-12T13:08:38.767" v="384" actId="113"/>
           <ac:spMkLst>
             <pc:docMk/>
             <pc:sldMk cId="3595125564" sldId="256"/>
@@ -219,7 +224,7 @@
           </ac:spMkLst>
         </pc:spChg>
         <pc:spChg chg="add mod">
-          <ac:chgData name="" userId="d70ee545ee25833c" providerId="LiveId" clId="{063DA4DB-3DEE-4DB4-9788-C4B538D33AA2}" dt="2021-05-12T11:49:16.111" v="337" actId="2711"/>
+          <ac:chgData name="" userId="d70ee545ee25833c" providerId="LiveId" clId="{063DA4DB-3DEE-4DB4-9788-C4B538D33AA2}" dt="2021-05-12T13:08:38.767" v="384" actId="113"/>
           <ac:spMkLst>
             <pc:docMk/>
             <pc:sldMk cId="3595125564" sldId="256"/>
@@ -227,7 +232,7 @@
           </ac:spMkLst>
         </pc:spChg>
         <pc:spChg chg="add mod">
-          <ac:chgData name="" userId="d70ee545ee25833c" providerId="LiveId" clId="{063DA4DB-3DEE-4DB4-9788-C4B538D33AA2}" dt="2021-05-12T11:49:16.111" v="337" actId="2711"/>
+          <ac:chgData name="" userId="d70ee545ee25833c" providerId="LiveId" clId="{063DA4DB-3DEE-4DB4-9788-C4B538D33AA2}" dt="2021-05-12T13:08:38.767" v="384" actId="113"/>
           <ac:spMkLst>
             <pc:docMk/>
             <pc:sldMk cId="3595125564" sldId="256"/>
@@ -235,7 +240,7 @@
           </ac:spMkLst>
         </pc:spChg>
         <pc:spChg chg="add mod">
-          <ac:chgData name="" userId="d70ee545ee25833c" providerId="LiveId" clId="{063DA4DB-3DEE-4DB4-9788-C4B538D33AA2}" dt="2021-05-12T11:49:16.111" v="337" actId="2711"/>
+          <ac:chgData name="" userId="d70ee545ee25833c" providerId="LiveId" clId="{063DA4DB-3DEE-4DB4-9788-C4B538D33AA2}" dt="2021-05-12T13:08:38.767" v="384" actId="113"/>
           <ac:spMkLst>
             <pc:docMk/>
             <pc:sldMk cId="3595125564" sldId="256"/>
@@ -243,7 +248,7 @@
           </ac:spMkLst>
         </pc:spChg>
         <pc:spChg chg="add mod">
-          <ac:chgData name="" userId="d70ee545ee25833c" providerId="LiveId" clId="{063DA4DB-3DEE-4DB4-9788-C4B538D33AA2}" dt="2021-05-12T11:49:16.111" v="337" actId="2711"/>
+          <ac:chgData name="" userId="d70ee545ee25833c" providerId="LiveId" clId="{063DA4DB-3DEE-4DB4-9788-C4B538D33AA2}" dt="2021-05-12T13:08:38.767" v="384" actId="113"/>
           <ac:spMkLst>
             <pc:docMk/>
             <pc:sldMk cId="3595125564" sldId="256"/>
@@ -251,7 +256,7 @@
           </ac:spMkLst>
         </pc:spChg>
         <pc:spChg chg="add mod">
-          <ac:chgData name="" userId="d70ee545ee25833c" providerId="LiveId" clId="{063DA4DB-3DEE-4DB4-9788-C4B538D33AA2}" dt="2021-05-12T11:49:16.111" v="337" actId="2711"/>
+          <ac:chgData name="" userId="d70ee545ee25833c" providerId="LiveId" clId="{063DA4DB-3DEE-4DB4-9788-C4B538D33AA2}" dt="2021-05-12T13:08:38.767" v="384" actId="113"/>
           <ac:spMkLst>
             <pc:docMk/>
             <pc:sldMk cId="3595125564" sldId="256"/>
@@ -259,7 +264,7 @@
           </ac:spMkLst>
         </pc:spChg>
         <pc:spChg chg="add mod">
-          <ac:chgData name="" userId="d70ee545ee25833c" providerId="LiveId" clId="{063DA4DB-3DEE-4DB4-9788-C4B538D33AA2}" dt="2021-05-12T11:49:16.111" v="337" actId="2711"/>
+          <ac:chgData name="" userId="d70ee545ee25833c" providerId="LiveId" clId="{063DA4DB-3DEE-4DB4-9788-C4B538D33AA2}" dt="2021-05-12T13:08:38.767" v="384" actId="113"/>
           <ac:spMkLst>
             <pc:docMk/>
             <pc:sldMk cId="3595125564" sldId="256"/>
@@ -267,7 +272,7 @@
           </ac:spMkLst>
         </pc:spChg>
         <pc:spChg chg="add mod">
-          <ac:chgData name="" userId="d70ee545ee25833c" providerId="LiveId" clId="{063DA4DB-3DEE-4DB4-9788-C4B538D33AA2}" dt="2021-05-12T11:49:16.111" v="337" actId="2711"/>
+          <ac:chgData name="" userId="d70ee545ee25833c" providerId="LiveId" clId="{063DA4DB-3DEE-4DB4-9788-C4B538D33AA2}" dt="2021-05-12T13:08:38.767" v="384" actId="113"/>
           <ac:spMkLst>
             <pc:docMk/>
             <pc:sldMk cId="3595125564" sldId="256"/>
@@ -275,7 +280,7 @@
           </ac:spMkLst>
         </pc:spChg>
         <pc:spChg chg="add mod">
-          <ac:chgData name="" userId="d70ee545ee25833c" providerId="LiveId" clId="{063DA4DB-3DEE-4DB4-9788-C4B538D33AA2}" dt="2021-05-12T11:49:16.111" v="337" actId="2711"/>
+          <ac:chgData name="" userId="d70ee545ee25833c" providerId="LiveId" clId="{063DA4DB-3DEE-4DB4-9788-C4B538D33AA2}" dt="2021-05-12T13:08:38.767" v="384" actId="113"/>
           <ac:spMkLst>
             <pc:docMk/>
             <pc:sldMk cId="3595125564" sldId="256"/>
@@ -283,7 +288,7 @@
           </ac:spMkLst>
         </pc:spChg>
         <pc:spChg chg="add mod">
-          <ac:chgData name="" userId="d70ee545ee25833c" providerId="LiveId" clId="{063DA4DB-3DEE-4DB4-9788-C4B538D33AA2}" dt="2021-05-12T11:49:16.111" v="337" actId="2711"/>
+          <ac:chgData name="" userId="d70ee545ee25833c" providerId="LiveId" clId="{063DA4DB-3DEE-4DB4-9788-C4B538D33AA2}" dt="2021-05-12T13:08:38.767" v="384" actId="113"/>
           <ac:spMkLst>
             <pc:docMk/>
             <pc:sldMk cId="3595125564" sldId="256"/>
@@ -291,7 +296,7 @@
           </ac:spMkLst>
         </pc:spChg>
         <pc:spChg chg="add mod">
-          <ac:chgData name="" userId="d70ee545ee25833c" providerId="LiveId" clId="{063DA4DB-3DEE-4DB4-9788-C4B538D33AA2}" dt="2021-05-12T11:49:16.111" v="337" actId="2711"/>
+          <ac:chgData name="" userId="d70ee545ee25833c" providerId="LiveId" clId="{063DA4DB-3DEE-4DB4-9788-C4B538D33AA2}" dt="2021-05-12T13:08:38.767" v="384" actId="113"/>
           <ac:spMkLst>
             <pc:docMk/>
             <pc:sldMk cId="3595125564" sldId="256"/>
@@ -299,7 +304,7 @@
           </ac:spMkLst>
         </pc:spChg>
         <pc:spChg chg="add mod">
-          <ac:chgData name="" userId="d70ee545ee25833c" providerId="LiveId" clId="{063DA4DB-3DEE-4DB4-9788-C4B538D33AA2}" dt="2021-05-12T11:49:16.111" v="337" actId="2711"/>
+          <ac:chgData name="" userId="d70ee545ee25833c" providerId="LiveId" clId="{063DA4DB-3DEE-4DB4-9788-C4B538D33AA2}" dt="2021-05-12T13:08:38.767" v="384" actId="113"/>
           <ac:spMkLst>
             <pc:docMk/>
             <pc:sldMk cId="3595125564" sldId="256"/>
@@ -307,7 +312,7 @@
           </ac:spMkLst>
         </pc:spChg>
         <pc:spChg chg="add mod">
-          <ac:chgData name="" userId="d70ee545ee25833c" providerId="LiveId" clId="{063DA4DB-3DEE-4DB4-9788-C4B538D33AA2}" dt="2021-05-12T11:49:16.111" v="337" actId="2711"/>
+          <ac:chgData name="" userId="d70ee545ee25833c" providerId="LiveId" clId="{063DA4DB-3DEE-4DB4-9788-C4B538D33AA2}" dt="2021-05-12T13:08:38.767" v="384" actId="113"/>
           <ac:spMkLst>
             <pc:docMk/>
             <pc:sldMk cId="3595125564" sldId="256"/>
@@ -315,7 +320,7 @@
           </ac:spMkLst>
         </pc:spChg>
         <pc:spChg chg="add mod">
-          <ac:chgData name="" userId="d70ee545ee25833c" providerId="LiveId" clId="{063DA4DB-3DEE-4DB4-9788-C4B538D33AA2}" dt="2021-05-12T11:49:16.111" v="337" actId="2711"/>
+          <ac:chgData name="" userId="d70ee545ee25833c" providerId="LiveId" clId="{063DA4DB-3DEE-4DB4-9788-C4B538D33AA2}" dt="2021-05-12T13:08:38.767" v="384" actId="113"/>
           <ac:spMkLst>
             <pc:docMk/>
             <pc:sldMk cId="3595125564" sldId="256"/>
@@ -323,7 +328,7 @@
           </ac:spMkLst>
         </pc:spChg>
         <pc:spChg chg="add mod">
-          <ac:chgData name="" userId="d70ee545ee25833c" providerId="LiveId" clId="{063DA4DB-3DEE-4DB4-9788-C4B538D33AA2}" dt="2021-05-12T11:49:16.111" v="337" actId="2711"/>
+          <ac:chgData name="" userId="d70ee545ee25833c" providerId="LiveId" clId="{063DA4DB-3DEE-4DB4-9788-C4B538D33AA2}" dt="2021-05-12T13:08:38.767" v="384" actId="113"/>
           <ac:spMkLst>
             <pc:docMk/>
             <pc:sldMk cId="3595125564" sldId="256"/>
@@ -331,7 +336,7 @@
           </ac:spMkLst>
         </pc:spChg>
         <pc:spChg chg="add mod">
-          <ac:chgData name="" userId="d70ee545ee25833c" providerId="LiveId" clId="{063DA4DB-3DEE-4DB4-9788-C4B538D33AA2}" dt="2021-05-12T11:49:16.111" v="337" actId="2711"/>
+          <ac:chgData name="" userId="d70ee545ee25833c" providerId="LiveId" clId="{063DA4DB-3DEE-4DB4-9788-C4B538D33AA2}" dt="2021-05-12T13:08:38.767" v="384" actId="113"/>
           <ac:spMkLst>
             <pc:docMk/>
             <pc:sldMk cId="3595125564" sldId="256"/>
@@ -339,7 +344,7 @@
           </ac:spMkLst>
         </pc:spChg>
         <pc:spChg chg="add mod">
-          <ac:chgData name="" userId="d70ee545ee25833c" providerId="LiveId" clId="{063DA4DB-3DEE-4DB4-9788-C4B538D33AA2}" dt="2021-05-12T11:49:16.111" v="337" actId="2711"/>
+          <ac:chgData name="" userId="d70ee545ee25833c" providerId="LiveId" clId="{063DA4DB-3DEE-4DB4-9788-C4B538D33AA2}" dt="2021-05-12T13:08:38.767" v="384" actId="113"/>
           <ac:spMkLst>
             <pc:docMk/>
             <pc:sldMk cId="3595125564" sldId="256"/>
@@ -347,7 +352,7 @@
           </ac:spMkLst>
         </pc:spChg>
         <pc:spChg chg="add mod">
-          <ac:chgData name="" userId="d70ee545ee25833c" providerId="LiveId" clId="{063DA4DB-3DEE-4DB4-9788-C4B538D33AA2}" dt="2021-05-12T11:49:16.111" v="337" actId="2711"/>
+          <ac:chgData name="" userId="d70ee545ee25833c" providerId="LiveId" clId="{063DA4DB-3DEE-4DB4-9788-C4B538D33AA2}" dt="2021-05-12T13:08:38.767" v="384" actId="113"/>
           <ac:spMkLst>
             <pc:docMk/>
             <pc:sldMk cId="3595125564" sldId="256"/>
@@ -355,7 +360,7 @@
           </ac:spMkLst>
         </pc:spChg>
         <pc:spChg chg="add mod">
-          <ac:chgData name="" userId="d70ee545ee25833c" providerId="LiveId" clId="{063DA4DB-3DEE-4DB4-9788-C4B538D33AA2}" dt="2021-05-12T11:49:16.111" v="337" actId="2711"/>
+          <ac:chgData name="" userId="d70ee545ee25833c" providerId="LiveId" clId="{063DA4DB-3DEE-4DB4-9788-C4B538D33AA2}" dt="2021-05-12T13:08:38.767" v="384" actId="113"/>
           <ac:spMkLst>
             <pc:docMk/>
             <pc:sldMk cId="3595125564" sldId="256"/>
@@ -363,7 +368,7 @@
           </ac:spMkLst>
         </pc:spChg>
         <pc:spChg chg="add mod">
-          <ac:chgData name="" userId="d70ee545ee25833c" providerId="LiveId" clId="{063DA4DB-3DEE-4DB4-9788-C4B538D33AA2}" dt="2021-05-12T11:49:16.111" v="337" actId="2711"/>
+          <ac:chgData name="" userId="d70ee545ee25833c" providerId="LiveId" clId="{063DA4DB-3DEE-4DB4-9788-C4B538D33AA2}" dt="2021-05-12T13:08:38.767" v="384" actId="113"/>
           <ac:spMkLst>
             <pc:docMk/>
             <pc:sldMk cId="3595125564" sldId="256"/>
@@ -371,7 +376,7 @@
           </ac:spMkLst>
         </pc:spChg>
         <pc:spChg chg="add mod">
-          <ac:chgData name="" userId="d70ee545ee25833c" providerId="LiveId" clId="{063DA4DB-3DEE-4DB4-9788-C4B538D33AA2}" dt="2021-05-12T11:49:16.111" v="337" actId="2711"/>
+          <ac:chgData name="" userId="d70ee545ee25833c" providerId="LiveId" clId="{063DA4DB-3DEE-4DB4-9788-C4B538D33AA2}" dt="2021-05-12T13:08:38.767" v="384" actId="113"/>
           <ac:spMkLst>
             <pc:docMk/>
             <pc:sldMk cId="3595125564" sldId="256"/>
@@ -379,7 +384,7 @@
           </ac:spMkLst>
         </pc:spChg>
         <pc:spChg chg="add mod">
-          <ac:chgData name="" userId="d70ee545ee25833c" providerId="LiveId" clId="{063DA4DB-3DEE-4DB4-9788-C4B538D33AA2}" dt="2021-05-12T11:49:16.111" v="337" actId="2711"/>
+          <ac:chgData name="" userId="d70ee545ee25833c" providerId="LiveId" clId="{063DA4DB-3DEE-4DB4-9788-C4B538D33AA2}" dt="2021-05-12T13:08:38.767" v="384" actId="113"/>
           <ac:spMkLst>
             <pc:docMk/>
             <pc:sldMk cId="3595125564" sldId="256"/>
@@ -387,7 +392,7 @@
           </ac:spMkLst>
         </pc:spChg>
         <pc:spChg chg="add mod">
-          <ac:chgData name="" userId="d70ee545ee25833c" providerId="LiveId" clId="{063DA4DB-3DEE-4DB4-9788-C4B538D33AA2}" dt="2021-05-12T11:49:16.111" v="337" actId="2711"/>
+          <ac:chgData name="" userId="d70ee545ee25833c" providerId="LiveId" clId="{063DA4DB-3DEE-4DB4-9788-C4B538D33AA2}" dt="2021-05-12T13:08:38.767" v="384" actId="113"/>
           <ac:spMkLst>
             <pc:docMk/>
             <pc:sldMk cId="3595125564" sldId="256"/>
@@ -395,7 +400,7 @@
           </ac:spMkLst>
         </pc:spChg>
         <pc:spChg chg="add mod">
-          <ac:chgData name="" userId="d70ee545ee25833c" providerId="LiveId" clId="{063DA4DB-3DEE-4DB4-9788-C4B538D33AA2}" dt="2021-05-12T11:49:16.111" v="337" actId="2711"/>
+          <ac:chgData name="" userId="d70ee545ee25833c" providerId="LiveId" clId="{063DA4DB-3DEE-4DB4-9788-C4B538D33AA2}" dt="2021-05-12T13:08:38.767" v="384" actId="113"/>
           <ac:spMkLst>
             <pc:docMk/>
             <pc:sldMk cId="3595125564" sldId="256"/>
@@ -403,7 +408,7 @@
           </ac:spMkLst>
         </pc:spChg>
         <pc:spChg chg="add mod">
-          <ac:chgData name="" userId="d70ee545ee25833c" providerId="LiveId" clId="{063DA4DB-3DEE-4DB4-9788-C4B538D33AA2}" dt="2021-05-12T11:49:16.111" v="337" actId="2711"/>
+          <ac:chgData name="" userId="d70ee545ee25833c" providerId="LiveId" clId="{063DA4DB-3DEE-4DB4-9788-C4B538D33AA2}" dt="2021-05-12T13:08:38.767" v="384" actId="113"/>
           <ac:spMkLst>
             <pc:docMk/>
             <pc:sldMk cId="3595125564" sldId="256"/>
@@ -411,7 +416,7 @@
           </ac:spMkLst>
         </pc:spChg>
         <pc:spChg chg="add mod">
-          <ac:chgData name="" userId="d70ee545ee25833c" providerId="LiveId" clId="{063DA4DB-3DEE-4DB4-9788-C4B538D33AA2}" dt="2021-05-12T11:49:16.111" v="337" actId="2711"/>
+          <ac:chgData name="" userId="d70ee545ee25833c" providerId="LiveId" clId="{063DA4DB-3DEE-4DB4-9788-C4B538D33AA2}" dt="2021-05-12T13:08:38.767" v="384" actId="113"/>
           <ac:spMkLst>
             <pc:docMk/>
             <pc:sldMk cId="3595125564" sldId="256"/>
@@ -419,7 +424,7 @@
           </ac:spMkLst>
         </pc:spChg>
         <pc:spChg chg="add mod">
-          <ac:chgData name="" userId="d70ee545ee25833c" providerId="LiveId" clId="{063DA4DB-3DEE-4DB4-9788-C4B538D33AA2}" dt="2021-05-12T11:49:16.111" v="337" actId="2711"/>
+          <ac:chgData name="" userId="d70ee545ee25833c" providerId="LiveId" clId="{063DA4DB-3DEE-4DB4-9788-C4B538D33AA2}" dt="2021-05-12T13:08:38.767" v="384" actId="113"/>
           <ac:spMkLst>
             <pc:docMk/>
             <pc:sldMk cId="3595125564" sldId="256"/>
@@ -427,7 +432,7 @@
           </ac:spMkLst>
         </pc:spChg>
         <pc:spChg chg="add mod">
-          <ac:chgData name="" userId="d70ee545ee25833c" providerId="LiveId" clId="{063DA4DB-3DEE-4DB4-9788-C4B538D33AA2}" dt="2021-05-12T11:49:16.111" v="337" actId="2711"/>
+          <ac:chgData name="" userId="d70ee545ee25833c" providerId="LiveId" clId="{063DA4DB-3DEE-4DB4-9788-C4B538D33AA2}" dt="2021-05-12T13:08:38.767" v="384" actId="113"/>
           <ac:spMkLst>
             <pc:docMk/>
             <pc:sldMk cId="3595125564" sldId="256"/>
@@ -435,7 +440,7 @@
           </ac:spMkLst>
         </pc:spChg>
         <pc:spChg chg="add mod">
-          <ac:chgData name="" userId="d70ee545ee25833c" providerId="LiveId" clId="{063DA4DB-3DEE-4DB4-9788-C4B538D33AA2}" dt="2021-05-12T11:49:16.111" v="337" actId="2711"/>
+          <ac:chgData name="" userId="d70ee545ee25833c" providerId="LiveId" clId="{063DA4DB-3DEE-4DB4-9788-C4B538D33AA2}" dt="2021-05-12T13:08:38.767" v="384" actId="113"/>
           <ac:spMkLst>
             <pc:docMk/>
             <pc:sldMk cId="3595125564" sldId="256"/>
@@ -443,7 +448,7 @@
           </ac:spMkLst>
         </pc:spChg>
         <pc:spChg chg="add mod">
-          <ac:chgData name="" userId="d70ee545ee25833c" providerId="LiveId" clId="{063DA4DB-3DEE-4DB4-9788-C4B538D33AA2}" dt="2021-05-12T11:49:16.111" v="337" actId="2711"/>
+          <ac:chgData name="" userId="d70ee545ee25833c" providerId="LiveId" clId="{063DA4DB-3DEE-4DB4-9788-C4B538D33AA2}" dt="2021-05-12T13:08:38.767" v="384" actId="113"/>
           <ac:spMkLst>
             <pc:docMk/>
             <pc:sldMk cId="3595125564" sldId="256"/>
@@ -451,7 +456,7 @@
           </ac:spMkLst>
         </pc:spChg>
         <pc:spChg chg="add mod">
-          <ac:chgData name="" userId="d70ee545ee25833c" providerId="LiveId" clId="{063DA4DB-3DEE-4DB4-9788-C4B538D33AA2}" dt="2021-05-12T11:49:16.111" v="337" actId="2711"/>
+          <ac:chgData name="" userId="d70ee545ee25833c" providerId="LiveId" clId="{063DA4DB-3DEE-4DB4-9788-C4B538D33AA2}" dt="2021-05-12T13:08:38.767" v="384" actId="113"/>
           <ac:spMkLst>
             <pc:docMk/>
             <pc:sldMk cId="3595125564" sldId="256"/>
@@ -459,7 +464,7 @@
           </ac:spMkLst>
         </pc:spChg>
         <pc:spChg chg="add mod">
-          <ac:chgData name="" userId="d70ee545ee25833c" providerId="LiveId" clId="{063DA4DB-3DEE-4DB4-9788-C4B538D33AA2}" dt="2021-05-12T11:49:16.111" v="337" actId="2711"/>
+          <ac:chgData name="" userId="d70ee545ee25833c" providerId="LiveId" clId="{063DA4DB-3DEE-4DB4-9788-C4B538D33AA2}" dt="2021-05-12T13:08:38.767" v="384" actId="113"/>
           <ac:spMkLst>
             <pc:docMk/>
             <pc:sldMk cId="3595125564" sldId="256"/>
@@ -467,7 +472,7 @@
           </ac:spMkLst>
         </pc:spChg>
         <pc:spChg chg="add mod">
-          <ac:chgData name="" userId="d70ee545ee25833c" providerId="LiveId" clId="{063DA4DB-3DEE-4DB4-9788-C4B538D33AA2}" dt="2021-05-12T11:49:16.111" v="337" actId="2711"/>
+          <ac:chgData name="" userId="d70ee545ee25833c" providerId="LiveId" clId="{063DA4DB-3DEE-4DB4-9788-C4B538D33AA2}" dt="2021-05-12T13:08:38.767" v="384" actId="113"/>
           <ac:spMkLst>
             <pc:docMk/>
             <pc:sldMk cId="3595125564" sldId="256"/>
@@ -475,7 +480,7 @@
           </ac:spMkLst>
         </pc:spChg>
         <pc:spChg chg="add mod">
-          <ac:chgData name="" userId="d70ee545ee25833c" providerId="LiveId" clId="{063DA4DB-3DEE-4DB4-9788-C4B538D33AA2}" dt="2021-05-12T11:49:16.111" v="337" actId="2711"/>
+          <ac:chgData name="" userId="d70ee545ee25833c" providerId="LiveId" clId="{063DA4DB-3DEE-4DB4-9788-C4B538D33AA2}" dt="2021-05-12T13:08:38.767" v="384" actId="113"/>
           <ac:spMkLst>
             <pc:docMk/>
             <pc:sldMk cId="3595125564" sldId="256"/>
@@ -483,7 +488,7 @@
           </ac:spMkLst>
         </pc:spChg>
         <pc:spChg chg="add mod">
-          <ac:chgData name="" userId="d70ee545ee25833c" providerId="LiveId" clId="{063DA4DB-3DEE-4DB4-9788-C4B538D33AA2}" dt="2021-05-12T11:49:16.111" v="337" actId="2711"/>
+          <ac:chgData name="" userId="d70ee545ee25833c" providerId="LiveId" clId="{063DA4DB-3DEE-4DB4-9788-C4B538D33AA2}" dt="2021-05-12T13:08:38.767" v="384" actId="113"/>
           <ac:spMkLst>
             <pc:docMk/>
             <pc:sldMk cId="3595125564" sldId="256"/>
@@ -491,7 +496,7 @@
           </ac:spMkLst>
         </pc:spChg>
         <pc:spChg chg="add mod">
-          <ac:chgData name="" userId="d70ee545ee25833c" providerId="LiveId" clId="{063DA4DB-3DEE-4DB4-9788-C4B538D33AA2}" dt="2021-05-12T11:49:16.111" v="337" actId="2711"/>
+          <ac:chgData name="" userId="d70ee545ee25833c" providerId="LiveId" clId="{063DA4DB-3DEE-4DB4-9788-C4B538D33AA2}" dt="2021-05-12T13:08:38.767" v="384" actId="113"/>
           <ac:spMkLst>
             <pc:docMk/>
             <pc:sldMk cId="3595125564" sldId="256"/>
@@ -499,7 +504,7 @@
           </ac:spMkLst>
         </pc:spChg>
         <pc:spChg chg="add mod">
-          <ac:chgData name="" userId="d70ee545ee25833c" providerId="LiveId" clId="{063DA4DB-3DEE-4DB4-9788-C4B538D33AA2}" dt="2021-05-12T11:49:16.111" v="337" actId="2711"/>
+          <ac:chgData name="" userId="d70ee545ee25833c" providerId="LiveId" clId="{063DA4DB-3DEE-4DB4-9788-C4B538D33AA2}" dt="2021-05-12T13:08:38.767" v="384" actId="113"/>
           <ac:spMkLst>
             <pc:docMk/>
             <pc:sldMk cId="3595125564" sldId="256"/>
@@ -507,7 +512,7 @@
           </ac:spMkLst>
         </pc:spChg>
         <pc:spChg chg="add mod">
-          <ac:chgData name="" userId="d70ee545ee25833c" providerId="LiveId" clId="{063DA4DB-3DEE-4DB4-9788-C4B538D33AA2}" dt="2021-05-12T11:49:16.111" v="337" actId="2711"/>
+          <ac:chgData name="" userId="d70ee545ee25833c" providerId="LiveId" clId="{063DA4DB-3DEE-4DB4-9788-C4B538D33AA2}" dt="2021-05-12T13:08:38.767" v="384" actId="113"/>
           <ac:spMkLst>
             <pc:docMk/>
             <pc:sldMk cId="3595125564" sldId="256"/>
@@ -515,7 +520,7 @@
           </ac:spMkLst>
         </pc:spChg>
         <pc:spChg chg="add mod">
-          <ac:chgData name="" userId="d70ee545ee25833c" providerId="LiveId" clId="{063DA4DB-3DEE-4DB4-9788-C4B538D33AA2}" dt="2021-05-12T11:49:16.111" v="337" actId="2711"/>
+          <ac:chgData name="" userId="d70ee545ee25833c" providerId="LiveId" clId="{063DA4DB-3DEE-4DB4-9788-C4B538D33AA2}" dt="2021-05-12T13:08:38.767" v="384" actId="113"/>
           <ac:spMkLst>
             <pc:docMk/>
             <pc:sldMk cId="3595125564" sldId="256"/>
@@ -523,7 +528,7 @@
           </ac:spMkLst>
         </pc:spChg>
         <pc:spChg chg="add mod">
-          <ac:chgData name="" userId="d70ee545ee25833c" providerId="LiveId" clId="{063DA4DB-3DEE-4DB4-9788-C4B538D33AA2}" dt="2021-05-12T11:49:16.111" v="337" actId="2711"/>
+          <ac:chgData name="" userId="d70ee545ee25833c" providerId="LiveId" clId="{063DA4DB-3DEE-4DB4-9788-C4B538D33AA2}" dt="2021-05-12T13:08:38.767" v="384" actId="113"/>
           <ac:spMkLst>
             <pc:docMk/>
             <pc:sldMk cId="3595125564" sldId="256"/>
@@ -531,7 +536,7 @@
           </ac:spMkLst>
         </pc:spChg>
         <pc:spChg chg="add mod">
-          <ac:chgData name="" userId="d70ee545ee25833c" providerId="LiveId" clId="{063DA4DB-3DEE-4DB4-9788-C4B538D33AA2}" dt="2021-05-12T11:49:16.111" v="337" actId="2711"/>
+          <ac:chgData name="" userId="d70ee545ee25833c" providerId="LiveId" clId="{063DA4DB-3DEE-4DB4-9788-C4B538D33AA2}" dt="2021-05-12T13:08:38.767" v="384" actId="113"/>
           <ac:spMkLst>
             <pc:docMk/>
             <pc:sldMk cId="3595125564" sldId="256"/>
@@ -539,7 +544,7 @@
           </ac:spMkLst>
         </pc:spChg>
         <pc:spChg chg="add mod">
-          <ac:chgData name="" userId="d70ee545ee25833c" providerId="LiveId" clId="{063DA4DB-3DEE-4DB4-9788-C4B538D33AA2}" dt="2021-05-12T11:49:16.111" v="337" actId="2711"/>
+          <ac:chgData name="" userId="d70ee545ee25833c" providerId="LiveId" clId="{063DA4DB-3DEE-4DB4-9788-C4B538D33AA2}" dt="2021-05-12T13:08:38.767" v="384" actId="113"/>
           <ac:spMkLst>
             <pc:docMk/>
             <pc:sldMk cId="3595125564" sldId="256"/>
@@ -547,7 +552,7 @@
           </ac:spMkLst>
         </pc:spChg>
         <pc:spChg chg="add mod">
-          <ac:chgData name="" userId="d70ee545ee25833c" providerId="LiveId" clId="{063DA4DB-3DEE-4DB4-9788-C4B538D33AA2}" dt="2021-05-12T11:49:16.111" v="337" actId="2711"/>
+          <ac:chgData name="" userId="d70ee545ee25833c" providerId="LiveId" clId="{063DA4DB-3DEE-4DB4-9788-C4B538D33AA2}" dt="2021-05-12T13:08:38.767" v="384" actId="113"/>
           <ac:spMkLst>
             <pc:docMk/>
             <pc:sldMk cId="3595125564" sldId="256"/>
@@ -555,7 +560,7 @@
           </ac:spMkLst>
         </pc:spChg>
         <pc:spChg chg="add mod">
-          <ac:chgData name="" userId="d70ee545ee25833c" providerId="LiveId" clId="{063DA4DB-3DEE-4DB4-9788-C4B538D33AA2}" dt="2021-05-12T11:49:16.111" v="337" actId="2711"/>
+          <ac:chgData name="" userId="d70ee545ee25833c" providerId="LiveId" clId="{063DA4DB-3DEE-4DB4-9788-C4B538D33AA2}" dt="2021-05-12T13:08:38.767" v="384" actId="113"/>
           <ac:spMkLst>
             <pc:docMk/>
             <pc:sldMk cId="3595125564" sldId="256"/>
@@ -563,7 +568,7 @@
           </ac:spMkLst>
         </pc:spChg>
         <pc:spChg chg="add mod">
-          <ac:chgData name="" userId="d70ee545ee25833c" providerId="LiveId" clId="{063DA4DB-3DEE-4DB4-9788-C4B538D33AA2}" dt="2021-05-12T11:49:16.111" v="337" actId="2711"/>
+          <ac:chgData name="" userId="d70ee545ee25833c" providerId="LiveId" clId="{063DA4DB-3DEE-4DB4-9788-C4B538D33AA2}" dt="2021-05-12T13:08:38.767" v="384" actId="113"/>
           <ac:spMkLst>
             <pc:docMk/>
             <pc:sldMk cId="3595125564" sldId="256"/>
@@ -571,7 +576,7 @@
           </ac:spMkLst>
         </pc:spChg>
         <pc:spChg chg="add mod">
-          <ac:chgData name="" userId="d70ee545ee25833c" providerId="LiveId" clId="{063DA4DB-3DEE-4DB4-9788-C4B538D33AA2}" dt="2021-05-12T11:49:16.111" v="337" actId="2711"/>
+          <ac:chgData name="" userId="d70ee545ee25833c" providerId="LiveId" clId="{063DA4DB-3DEE-4DB4-9788-C4B538D33AA2}" dt="2021-05-12T13:08:38.767" v="384" actId="113"/>
           <ac:spMkLst>
             <pc:docMk/>
             <pc:sldMk cId="3595125564" sldId="256"/>
@@ -579,7 +584,7 @@
           </ac:spMkLst>
         </pc:spChg>
         <pc:spChg chg="add mod">
-          <ac:chgData name="" userId="d70ee545ee25833c" providerId="LiveId" clId="{063DA4DB-3DEE-4DB4-9788-C4B538D33AA2}" dt="2021-05-12T11:49:16.111" v="337" actId="2711"/>
+          <ac:chgData name="" userId="d70ee545ee25833c" providerId="LiveId" clId="{063DA4DB-3DEE-4DB4-9788-C4B538D33AA2}" dt="2021-05-12T13:08:38.767" v="384" actId="113"/>
           <ac:spMkLst>
             <pc:docMk/>
             <pc:sldMk cId="3595125564" sldId="256"/>
@@ -587,7 +592,7 @@
           </ac:spMkLst>
         </pc:spChg>
         <pc:spChg chg="add mod">
-          <ac:chgData name="" userId="d70ee545ee25833c" providerId="LiveId" clId="{063DA4DB-3DEE-4DB4-9788-C4B538D33AA2}" dt="2021-05-12T11:49:16.111" v="337" actId="2711"/>
+          <ac:chgData name="" userId="d70ee545ee25833c" providerId="LiveId" clId="{063DA4DB-3DEE-4DB4-9788-C4B538D33AA2}" dt="2021-05-12T13:08:38.767" v="384" actId="113"/>
           <ac:spMkLst>
             <pc:docMk/>
             <pc:sldMk cId="3595125564" sldId="256"/>
@@ -595,7 +600,7 @@
           </ac:spMkLst>
         </pc:spChg>
         <pc:spChg chg="add mod">
-          <ac:chgData name="" userId="d70ee545ee25833c" providerId="LiveId" clId="{063DA4DB-3DEE-4DB4-9788-C4B538D33AA2}" dt="2021-05-12T11:49:16.111" v="337" actId="2711"/>
+          <ac:chgData name="" userId="d70ee545ee25833c" providerId="LiveId" clId="{063DA4DB-3DEE-4DB4-9788-C4B538D33AA2}" dt="2021-05-12T13:08:38.767" v="384" actId="113"/>
           <ac:spMkLst>
             <pc:docMk/>
             <pc:sldMk cId="3595125564" sldId="256"/>
@@ -603,7 +608,7 @@
           </ac:spMkLst>
         </pc:spChg>
         <pc:spChg chg="add mod">
-          <ac:chgData name="" userId="d70ee545ee25833c" providerId="LiveId" clId="{063DA4DB-3DEE-4DB4-9788-C4B538D33AA2}" dt="2021-05-12T11:49:16.111" v="337" actId="2711"/>
+          <ac:chgData name="" userId="d70ee545ee25833c" providerId="LiveId" clId="{063DA4DB-3DEE-4DB4-9788-C4B538D33AA2}" dt="2021-05-12T13:08:38.767" v="384" actId="113"/>
           <ac:spMkLst>
             <pc:docMk/>
             <pc:sldMk cId="3595125564" sldId="256"/>
@@ -611,7 +616,7 @@
           </ac:spMkLst>
         </pc:spChg>
         <pc:spChg chg="add mod">
-          <ac:chgData name="" userId="d70ee545ee25833c" providerId="LiveId" clId="{063DA4DB-3DEE-4DB4-9788-C4B538D33AA2}" dt="2021-05-12T11:49:16.111" v="337" actId="2711"/>
+          <ac:chgData name="" userId="d70ee545ee25833c" providerId="LiveId" clId="{063DA4DB-3DEE-4DB4-9788-C4B538D33AA2}" dt="2021-05-12T13:08:38.767" v="384" actId="113"/>
           <ac:spMkLst>
             <pc:docMk/>
             <pc:sldMk cId="3595125564" sldId="256"/>
@@ -619,7 +624,7 @@
           </ac:spMkLst>
         </pc:spChg>
         <pc:spChg chg="add mod">
-          <ac:chgData name="" userId="d70ee545ee25833c" providerId="LiveId" clId="{063DA4DB-3DEE-4DB4-9788-C4B538D33AA2}" dt="2021-05-12T11:49:16.111" v="337" actId="2711"/>
+          <ac:chgData name="" userId="d70ee545ee25833c" providerId="LiveId" clId="{063DA4DB-3DEE-4DB4-9788-C4B538D33AA2}" dt="2021-05-12T13:08:38.767" v="384" actId="113"/>
           <ac:spMkLst>
             <pc:docMk/>
             <pc:sldMk cId="3595125564" sldId="256"/>
@@ -627,7 +632,7 @@
           </ac:spMkLst>
         </pc:spChg>
         <pc:spChg chg="add mod">
-          <ac:chgData name="" userId="d70ee545ee25833c" providerId="LiveId" clId="{063DA4DB-3DEE-4DB4-9788-C4B538D33AA2}" dt="2021-05-12T11:49:16.111" v="337" actId="2711"/>
+          <ac:chgData name="" userId="d70ee545ee25833c" providerId="LiveId" clId="{063DA4DB-3DEE-4DB4-9788-C4B538D33AA2}" dt="2021-05-12T13:08:38.767" v="384" actId="113"/>
           <ac:spMkLst>
             <pc:docMk/>
             <pc:sldMk cId="3595125564" sldId="256"/>
@@ -635,7 +640,7 @@
           </ac:spMkLst>
         </pc:spChg>
         <pc:spChg chg="add mod">
-          <ac:chgData name="" userId="d70ee545ee25833c" providerId="LiveId" clId="{063DA4DB-3DEE-4DB4-9788-C4B538D33AA2}" dt="2021-05-12T11:49:16.111" v="337" actId="2711"/>
+          <ac:chgData name="" userId="d70ee545ee25833c" providerId="LiveId" clId="{063DA4DB-3DEE-4DB4-9788-C4B538D33AA2}" dt="2021-05-12T13:08:38.767" v="384" actId="113"/>
           <ac:spMkLst>
             <pc:docMk/>
             <pc:sldMk cId="3595125564" sldId="256"/>
@@ -643,7 +648,7 @@
           </ac:spMkLst>
         </pc:spChg>
         <pc:spChg chg="add mod">
-          <ac:chgData name="" userId="d70ee545ee25833c" providerId="LiveId" clId="{063DA4DB-3DEE-4DB4-9788-C4B538D33AA2}" dt="2021-05-12T11:49:16.111" v="337" actId="2711"/>
+          <ac:chgData name="" userId="d70ee545ee25833c" providerId="LiveId" clId="{063DA4DB-3DEE-4DB4-9788-C4B538D33AA2}" dt="2021-05-12T13:08:38.767" v="384" actId="113"/>
           <ac:spMkLst>
             <pc:docMk/>
             <pc:sldMk cId="3595125564" sldId="256"/>
@@ -651,7 +656,7 @@
           </ac:spMkLst>
         </pc:spChg>
         <pc:spChg chg="add mod ord">
-          <ac:chgData name="" userId="d70ee545ee25833c" providerId="LiveId" clId="{063DA4DB-3DEE-4DB4-9788-C4B538D33AA2}" dt="2021-05-12T11:49:16.111" v="337" actId="2711"/>
+          <ac:chgData name="" userId="d70ee545ee25833c" providerId="LiveId" clId="{063DA4DB-3DEE-4DB4-9788-C4B538D33AA2}" dt="2021-05-12T13:08:38.767" v="384" actId="113"/>
           <ac:spMkLst>
             <pc:docMk/>
             <pc:sldMk cId="3595125564" sldId="256"/>
@@ -667,7 +672,7 @@
           </ac:spMkLst>
         </pc:spChg>
         <pc:spChg chg="add mod">
-          <ac:chgData name="" userId="d70ee545ee25833c" providerId="LiveId" clId="{063DA4DB-3DEE-4DB4-9788-C4B538D33AA2}" dt="2021-05-12T11:49:16.111" v="337" actId="2711"/>
+          <ac:chgData name="" userId="d70ee545ee25833c" providerId="LiveId" clId="{063DA4DB-3DEE-4DB4-9788-C4B538D33AA2}" dt="2021-05-12T13:08:38.767" v="384" actId="113"/>
           <ac:spMkLst>
             <pc:docMk/>
             <pc:sldMk cId="3595125564" sldId="256"/>
@@ -675,7 +680,7 @@
           </ac:spMkLst>
         </pc:spChg>
         <pc:spChg chg="add mod">
-          <ac:chgData name="" userId="d70ee545ee25833c" providerId="LiveId" clId="{063DA4DB-3DEE-4DB4-9788-C4B538D33AA2}" dt="2021-05-12T11:49:16.111" v="337" actId="2711"/>
+          <ac:chgData name="" userId="d70ee545ee25833c" providerId="LiveId" clId="{063DA4DB-3DEE-4DB4-9788-C4B538D33AA2}" dt="2021-05-12T13:08:38.767" v="384" actId="113"/>
           <ac:spMkLst>
             <pc:docMk/>
             <pc:sldMk cId="3595125564" sldId="256"/>
@@ -683,7 +688,7 @@
           </ac:spMkLst>
         </pc:spChg>
         <pc:spChg chg="add mod">
-          <ac:chgData name="" userId="d70ee545ee25833c" providerId="LiveId" clId="{063DA4DB-3DEE-4DB4-9788-C4B538D33AA2}" dt="2021-05-12T11:49:16.111" v="337" actId="2711"/>
+          <ac:chgData name="" userId="d70ee545ee25833c" providerId="LiveId" clId="{063DA4DB-3DEE-4DB4-9788-C4B538D33AA2}" dt="2021-05-12T13:08:38.767" v="384" actId="113"/>
           <ac:spMkLst>
             <pc:docMk/>
             <pc:sldMk cId="3595125564" sldId="256"/>
@@ -691,7 +696,7 @@
           </ac:spMkLst>
         </pc:spChg>
         <pc:spChg chg="add mod">
-          <ac:chgData name="" userId="d70ee545ee25833c" providerId="LiveId" clId="{063DA4DB-3DEE-4DB4-9788-C4B538D33AA2}" dt="2021-05-12T11:50:01.379" v="344" actId="1076"/>
+          <ac:chgData name="" userId="d70ee545ee25833c" providerId="LiveId" clId="{063DA4DB-3DEE-4DB4-9788-C4B538D33AA2}" dt="2021-05-12T13:12:13.847" v="429" actId="113"/>
           <ac:spMkLst>
             <pc:docMk/>
             <pc:sldMk cId="3595125564" sldId="256"/>
@@ -699,7 +704,7 @@
           </ac:spMkLst>
         </pc:spChg>
         <pc:spChg chg="add mod">
-          <ac:chgData name="" userId="d70ee545ee25833c" providerId="LiveId" clId="{063DA4DB-3DEE-4DB4-9788-C4B538D33AA2}" dt="2021-05-12T11:50:06.698" v="345" actId="1076"/>
+          <ac:chgData name="" userId="d70ee545ee25833c" providerId="LiveId" clId="{063DA4DB-3DEE-4DB4-9788-C4B538D33AA2}" dt="2021-05-12T13:11:28.903" v="415" actId="1037"/>
           <ac:spMkLst>
             <pc:docMk/>
             <pc:sldMk cId="3595125564" sldId="256"/>
@@ -707,7 +712,7 @@
           </ac:spMkLst>
         </pc:spChg>
         <pc:spChg chg="add mod">
-          <ac:chgData name="" userId="d70ee545ee25833c" providerId="LiveId" clId="{063DA4DB-3DEE-4DB4-9788-C4B538D33AA2}" dt="2021-05-12T11:49:16.111" v="337" actId="2711"/>
+          <ac:chgData name="" userId="d70ee545ee25833c" providerId="LiveId" clId="{063DA4DB-3DEE-4DB4-9788-C4B538D33AA2}" dt="2021-05-12T13:12:41.503" v="430" actId="20577"/>
           <ac:spMkLst>
             <pc:docMk/>
             <pc:sldMk cId="3595125564" sldId="256"/>
@@ -715,7 +720,7 @@
           </ac:spMkLst>
         </pc:spChg>
         <pc:spChg chg="add mod">
-          <ac:chgData name="" userId="d70ee545ee25833c" providerId="LiveId" clId="{063DA4DB-3DEE-4DB4-9788-C4B538D33AA2}" dt="2021-05-12T11:49:25.216" v="338" actId="114"/>
+          <ac:chgData name="" userId="d70ee545ee25833c" providerId="LiveId" clId="{063DA4DB-3DEE-4DB4-9788-C4B538D33AA2}" dt="2021-05-12T13:08:38.767" v="384" actId="113"/>
           <ac:spMkLst>
             <pc:docMk/>
             <pc:sldMk cId="3595125564" sldId="256"/>
@@ -723,7 +728,7 @@
           </ac:spMkLst>
         </pc:spChg>
         <pc:spChg chg="add mod">
-          <ac:chgData name="" userId="d70ee545ee25833c" providerId="LiveId" clId="{063DA4DB-3DEE-4DB4-9788-C4B538D33AA2}" dt="2021-05-12T11:49:27.264" v="339" actId="114"/>
+          <ac:chgData name="" userId="d70ee545ee25833c" providerId="LiveId" clId="{063DA4DB-3DEE-4DB4-9788-C4B538D33AA2}" dt="2021-05-12T13:08:38.767" v="384" actId="113"/>
           <ac:spMkLst>
             <pc:docMk/>
             <pc:sldMk cId="3595125564" sldId="256"/>
@@ -731,7 +736,7 @@
           </ac:spMkLst>
         </pc:spChg>
         <pc:spChg chg="add mod">
-          <ac:chgData name="" userId="d70ee545ee25833c" providerId="LiveId" clId="{063DA4DB-3DEE-4DB4-9788-C4B538D33AA2}" dt="2021-05-12T11:49:16.111" v="337" actId="2711"/>
+          <ac:chgData name="" userId="d70ee545ee25833c" providerId="LiveId" clId="{063DA4DB-3DEE-4DB4-9788-C4B538D33AA2}" dt="2021-05-12T13:08:38.767" v="384" actId="113"/>
           <ac:spMkLst>
             <pc:docMk/>
             <pc:sldMk cId="3595125564" sldId="256"/>
@@ -739,7 +744,7 @@
           </ac:spMkLst>
         </pc:spChg>
         <pc:spChg chg="add mod">
-          <ac:chgData name="" userId="d70ee545ee25833c" providerId="LiveId" clId="{063DA4DB-3DEE-4DB4-9788-C4B538D33AA2}" dt="2021-05-12T11:49:16.111" v="337" actId="2711"/>
+          <ac:chgData name="" userId="d70ee545ee25833c" providerId="LiveId" clId="{063DA4DB-3DEE-4DB4-9788-C4B538D33AA2}" dt="2021-05-12T13:08:38.767" v="384" actId="113"/>
           <ac:spMkLst>
             <pc:docMk/>
             <pc:sldMk cId="3595125564" sldId="256"/>
@@ -747,7 +752,7 @@
           </ac:spMkLst>
         </pc:spChg>
         <pc:spChg chg="add mod">
-          <ac:chgData name="" userId="d70ee545ee25833c" providerId="LiveId" clId="{063DA4DB-3DEE-4DB4-9788-C4B538D33AA2}" dt="2021-05-12T11:49:16.111" v="337" actId="2711"/>
+          <ac:chgData name="" userId="d70ee545ee25833c" providerId="LiveId" clId="{063DA4DB-3DEE-4DB4-9788-C4B538D33AA2}" dt="2021-05-12T13:08:38.767" v="384" actId="113"/>
           <ac:spMkLst>
             <pc:docMk/>
             <pc:sldMk cId="3595125564" sldId="256"/>
@@ -755,7 +760,7 @@
           </ac:spMkLst>
         </pc:spChg>
         <pc:spChg chg="add mod">
-          <ac:chgData name="" userId="d70ee545ee25833c" providerId="LiveId" clId="{063DA4DB-3DEE-4DB4-9788-C4B538D33AA2}" dt="2021-05-12T11:51:47.470" v="373" actId="1076"/>
+          <ac:chgData name="" userId="d70ee545ee25833c" providerId="LiveId" clId="{063DA4DB-3DEE-4DB4-9788-C4B538D33AA2}" dt="2021-05-12T13:08:38.767" v="384" actId="113"/>
           <ac:spMkLst>
             <pc:docMk/>
             <pc:sldMk cId="3595125564" sldId="256"/>
@@ -7500,112 +7505,334 @@
           </a:fontRef>
         </p:style>
       </p:cxnSp>
-      <p:sp>
-        <p:nvSpPr>
-          <p:cNvPr id="90" name="箭头: 右 89">
-            <a:extLst>
-              <a:ext uri="{FF2B5EF4-FFF2-40B4-BE49-F238E27FC236}">
-                <a16:creationId xmlns:a16="http://schemas.microsoft.com/office/drawing/2014/main" id="{1A608560-B744-4AEA-B0A9-E1C3863AD052}"/>
-              </a:ext>
-            </a:extLst>
-          </p:cNvPr>
-          <p:cNvSpPr/>
-          <p:nvPr/>
-        </p:nvSpPr>
-        <p:spPr>
-          <a:xfrm flipH="1">
-            <a:off x="8241601" y="3829372"/>
-            <a:ext cx="2764594" cy="1469041"/>
-          </a:xfrm>
-          <a:prstGeom prst="rightArrow">
-            <a:avLst/>
-          </a:prstGeom>
-        </p:spPr>
-        <p:style>
-          <a:lnRef idx="2">
-            <a:schemeClr val="accent1">
-              <a:shade val="50000"/>
-            </a:schemeClr>
-          </a:lnRef>
-          <a:fillRef idx="1">
-            <a:schemeClr val="accent1"/>
-          </a:fillRef>
-          <a:effectRef idx="0">
-            <a:schemeClr val="accent1"/>
-          </a:effectRef>
-          <a:fontRef idx="minor">
-            <a:schemeClr val="lt1"/>
-          </a:fontRef>
-        </p:style>
-        <p:txBody>
-          <a:bodyPr rtlCol="0" anchor="ctr"/>
-          <a:lstStyle/>
-          <a:p>
-            <a:pPr algn="ctr"/>
-            <a:r>
-              <a:rPr lang="zh-CN" altLang="en-US" dirty="0">
-                <a:latin typeface="Times New Roman" panose="02020603050405020304" pitchFamily="18" charset="0"/>
-                <a:ea typeface="Adobe 宋体 Std L" panose="02020300000000000000" pitchFamily="18" charset="-122"/>
-                <a:cs typeface="Times New Roman" panose="02020603050405020304" pitchFamily="18" charset="0"/>
-              </a:rPr>
-              <a:t>入射电磁波</a:t>
-            </a:r>
-          </a:p>
-        </p:txBody>
-      </p:sp>
-      <p:sp>
-        <p:nvSpPr>
-          <p:cNvPr id="91" name="箭头: 右 90">
-            <a:extLst>
-              <a:ext uri="{FF2B5EF4-FFF2-40B4-BE49-F238E27FC236}">
-                <a16:creationId xmlns:a16="http://schemas.microsoft.com/office/drawing/2014/main" id="{DC0952E6-0BDF-414F-BA58-C294A603BF39}"/>
-              </a:ext>
-            </a:extLst>
-          </p:cNvPr>
-          <p:cNvSpPr/>
-          <p:nvPr/>
-        </p:nvSpPr>
-        <p:spPr>
-          <a:xfrm>
-            <a:off x="8241606" y="1459877"/>
-            <a:ext cx="2764589" cy="1469041"/>
-          </a:xfrm>
-          <a:prstGeom prst="rightArrow">
-            <a:avLst/>
-          </a:prstGeom>
-        </p:spPr>
-        <p:style>
-          <a:lnRef idx="2">
-            <a:schemeClr val="accent1">
-              <a:shade val="50000"/>
-            </a:schemeClr>
-          </a:lnRef>
-          <a:fillRef idx="1">
-            <a:schemeClr val="accent1"/>
-          </a:fillRef>
-          <a:effectRef idx="0">
-            <a:schemeClr val="accent1"/>
-          </a:effectRef>
-          <a:fontRef idx="minor">
-            <a:schemeClr val="lt1"/>
-          </a:fontRef>
-        </p:style>
-        <p:txBody>
-          <a:bodyPr rtlCol="0" anchor="ctr"/>
-          <a:lstStyle/>
-          <a:p>
-            <a:pPr algn="ctr"/>
-            <a:r>
-              <a:rPr lang="zh-CN" altLang="en-US" dirty="0">
-                <a:latin typeface="Times New Roman" panose="02020603050405020304" pitchFamily="18" charset="0"/>
-                <a:ea typeface="Adobe 宋体 Std L" panose="02020300000000000000" pitchFamily="18" charset="-122"/>
-                <a:cs typeface="Times New Roman" panose="02020603050405020304" pitchFamily="18" charset="0"/>
-              </a:rPr>
-              <a:t>反射电磁波</a:t>
-            </a:r>
-          </a:p>
-        </p:txBody>
-      </p:sp>
+      <mc:AlternateContent xmlns:mc="http://schemas.openxmlformats.org/markup-compatibility/2006">
+        <mc:Choice xmlns:a14="http://schemas.microsoft.com/office/drawing/2010/main" Requires="a14">
+          <p:sp>
+            <p:nvSpPr>
+              <p:cNvPr id="90" name="箭头: 右 89">
+                <a:extLst>
+                  <a:ext uri="{FF2B5EF4-FFF2-40B4-BE49-F238E27FC236}">
+                    <a16:creationId xmlns:a16="http://schemas.microsoft.com/office/drawing/2014/main" id="{1A608560-B744-4AEA-B0A9-E1C3863AD052}"/>
+                  </a:ext>
+                </a:extLst>
+              </p:cNvPr>
+              <p:cNvSpPr/>
+              <p:nvPr/>
+            </p:nvSpPr>
+            <p:spPr>
+              <a:xfrm flipH="1">
+                <a:off x="8241601" y="3829372"/>
+                <a:ext cx="2764594" cy="1469041"/>
+              </a:xfrm>
+              <a:prstGeom prst="rightArrow">
+                <a:avLst/>
+              </a:prstGeom>
+            </p:spPr>
+            <p:style>
+              <a:lnRef idx="2">
+                <a:schemeClr val="accent1">
+                  <a:shade val="50000"/>
+                </a:schemeClr>
+              </a:lnRef>
+              <a:fillRef idx="1">
+                <a:schemeClr val="accent1"/>
+              </a:fillRef>
+              <a:effectRef idx="0">
+                <a:schemeClr val="accent1"/>
+              </a:effectRef>
+              <a:fontRef idx="minor">
+                <a:schemeClr val="lt1"/>
+              </a:fontRef>
+            </p:style>
+            <p:txBody>
+              <a:bodyPr rtlCol="0" anchor="ctr"/>
+              <a:lstStyle/>
+              <a:p>
+                <a:pPr algn="ctr"/>
+                <a:r>
+                  <a:rPr lang="zh-CN" altLang="en-US" b="1" dirty="0">
+                    <a:latin typeface="Times New Roman" panose="02020603050405020304" pitchFamily="18" charset="0"/>
+                    <a:ea typeface="Adobe 宋体 Std L" panose="02020300000000000000" pitchFamily="18" charset="-122"/>
+                    <a:cs typeface="Times New Roman" panose="02020603050405020304" pitchFamily="18" charset="0"/>
+                  </a:rPr>
+                  <a:t>入射电磁波</a:t>
+                </a:r>
+                <a14:m>
+                  <m:oMath xmlns:m="http://schemas.openxmlformats.org/officeDocument/2006/math">
+                    <m:sSub>
+                      <m:sSubPr>
+                        <m:ctrlPr>
+                          <a:rPr lang="en-US" altLang="zh-CN" b="1" i="1" dirty="0" smtClean="0">
+                            <a:latin typeface="Cambria Math" panose="02040503050406030204" pitchFamily="18" charset="0"/>
+                            <a:ea typeface="Adobe 宋体 Std L" panose="02020300000000000000" pitchFamily="18" charset="-122"/>
+                            <a:cs typeface="Times New Roman" panose="02020603050405020304" pitchFamily="18" charset="0"/>
+                          </a:rPr>
+                        </m:ctrlPr>
+                      </m:sSubPr>
+                      <m:e>
+                        <m:r>
+                          <a:rPr lang="en-US" altLang="zh-CN" b="1" i="1" dirty="0">
+                            <a:latin typeface="Cambria Math" panose="02040503050406030204" pitchFamily="18" charset="0"/>
+                            <a:ea typeface="Adobe 宋体 Std L" panose="02020300000000000000" pitchFamily="18" charset="-122"/>
+                            <a:cs typeface="Times New Roman" panose="02020603050405020304" pitchFamily="18" charset="0"/>
+                          </a:rPr>
+                          <m:t>𝑬</m:t>
+                        </m:r>
+                      </m:e>
+                      <m:sub>
+                        <m:r>
+                          <a:rPr lang="en-US" altLang="zh-CN" b="1" i="1" dirty="0" smtClean="0">
+                            <a:latin typeface="Cambria Math" panose="02040503050406030204" pitchFamily="18" charset="0"/>
+                            <a:ea typeface="Adobe 宋体 Std L" panose="02020300000000000000" pitchFamily="18" charset="-122"/>
+                            <a:cs typeface="Times New Roman" panose="02020603050405020304" pitchFamily="18" charset="0"/>
+                          </a:rPr>
+                          <m:t>𝒏</m:t>
+                        </m:r>
+                        <m:r>
+                          <a:rPr lang="en-US" altLang="zh-CN" b="1" i="1" dirty="0" smtClean="0">
+                            <a:latin typeface="Cambria Math" panose="02040503050406030204" pitchFamily="18" charset="0"/>
+                            <a:ea typeface="Adobe 宋体 Std L" panose="02020300000000000000" pitchFamily="18" charset="-122"/>
+                            <a:cs typeface="Times New Roman" panose="02020603050405020304" pitchFamily="18" charset="0"/>
+                          </a:rPr>
+                          <m:t>,</m:t>
+                        </m:r>
+                        <m:r>
+                          <a:rPr lang="en-US" altLang="zh-CN" b="1" i="1" dirty="0" smtClean="0">
+                            <a:latin typeface="Cambria Math" panose="02040503050406030204" pitchFamily="18" charset="0"/>
+                            <a:ea typeface="Adobe 宋体 Std L" panose="02020300000000000000" pitchFamily="18" charset="-122"/>
+                            <a:cs typeface="Times New Roman" panose="02020603050405020304" pitchFamily="18" charset="0"/>
+                          </a:rPr>
+                          <m:t>𝒎</m:t>
+                        </m:r>
+                      </m:sub>
+                    </m:sSub>
+                  </m:oMath>
+                </a14:m>
+                <a:endParaRPr lang="zh-CN" altLang="en-US" b="1" i="1" dirty="0">
+                  <a:latin typeface="Times New Roman" panose="02020603050405020304" pitchFamily="18" charset="0"/>
+                  <a:ea typeface="Adobe 宋体 Std L" panose="02020300000000000000" pitchFamily="18" charset="-122"/>
+                  <a:cs typeface="Times New Roman" panose="02020603050405020304" pitchFamily="18" charset="0"/>
+                </a:endParaRPr>
+              </a:p>
+            </p:txBody>
+          </p:sp>
+        </mc:Choice>
+        <mc:Fallback>
+          <p:sp>
+            <p:nvSpPr>
+              <p:cNvPr id="90" name="箭头: 右 89">
+                <a:extLst>
+                  <a:ext uri="{FF2B5EF4-FFF2-40B4-BE49-F238E27FC236}">
+                    <a16:creationId xmlns:a16="http://schemas.microsoft.com/office/drawing/2014/main" id="{1A608560-B744-4AEA-B0A9-E1C3863AD052}"/>
+                  </a:ext>
+                </a:extLst>
+              </p:cNvPr>
+              <p:cNvSpPr>
+                <a:spLocks noRot="1" noChangeAspect="1" noMove="1" noResize="1" noEditPoints="1" noAdjustHandles="1" noChangeArrowheads="1" noChangeShapeType="1" noTextEdit="1"/>
+              </p:cNvSpPr>
+              <p:nvPr/>
+            </p:nvSpPr>
+            <p:spPr>
+              <a:xfrm flipH="1">
+                <a:off x="8241601" y="3829372"/>
+                <a:ext cx="2764594" cy="1469041"/>
+              </a:xfrm>
+              <a:prstGeom prst="rightArrow">
+                <a:avLst/>
+              </a:prstGeom>
+              <a:blipFill>
+                <a:blip r:embed="rId2"/>
+                <a:stretch>
+                  <a:fillRect/>
+                </a:stretch>
+              </a:blipFill>
+            </p:spPr>
+            <p:txBody>
+              <a:bodyPr/>
+              <a:lstStyle/>
+              <a:p>
+                <a:r>
+                  <a:rPr lang="zh-CN" altLang="en-US">
+                    <a:noFill/>
+                  </a:rPr>
+                  <a:t> </a:t>
+                </a:r>
+              </a:p>
+            </p:txBody>
+          </p:sp>
+        </mc:Fallback>
+      </mc:AlternateContent>
+      <mc:AlternateContent xmlns:mc="http://schemas.openxmlformats.org/markup-compatibility/2006">
+        <mc:Choice xmlns:a14="http://schemas.microsoft.com/office/drawing/2010/main" Requires="a14">
+          <p:sp>
+            <p:nvSpPr>
+              <p:cNvPr id="91" name="箭头: 右 90">
+                <a:extLst>
+                  <a:ext uri="{FF2B5EF4-FFF2-40B4-BE49-F238E27FC236}">
+                    <a16:creationId xmlns:a16="http://schemas.microsoft.com/office/drawing/2014/main" id="{DC0952E6-0BDF-414F-BA58-C294A603BF39}"/>
+                  </a:ext>
+                </a:extLst>
+              </p:cNvPr>
+              <p:cNvSpPr/>
+              <p:nvPr/>
+            </p:nvSpPr>
+            <p:spPr>
+              <a:xfrm>
+                <a:off x="8239701" y="1459877"/>
+                <a:ext cx="2764589" cy="1469041"/>
+              </a:xfrm>
+              <a:prstGeom prst="rightArrow">
+                <a:avLst/>
+              </a:prstGeom>
+            </p:spPr>
+            <p:style>
+              <a:lnRef idx="2">
+                <a:schemeClr val="accent1">
+                  <a:shade val="50000"/>
+                </a:schemeClr>
+              </a:lnRef>
+              <a:fillRef idx="1">
+                <a:schemeClr val="accent1"/>
+              </a:fillRef>
+              <a:effectRef idx="0">
+                <a:schemeClr val="accent1"/>
+              </a:effectRef>
+              <a:fontRef idx="minor">
+                <a:schemeClr val="lt1"/>
+              </a:fontRef>
+            </p:style>
+            <p:txBody>
+              <a:bodyPr rtlCol="0" anchor="ctr"/>
+              <a:lstStyle/>
+              <a:p>
+                <a:pPr algn="ctr"/>
+                <a:r>
+                  <a:rPr lang="zh-CN" altLang="en-US" b="1" dirty="0">
+                    <a:latin typeface="Times New Roman" panose="02020603050405020304" pitchFamily="18" charset="0"/>
+                    <a:ea typeface="Adobe 宋体 Std L" panose="02020300000000000000" pitchFamily="18" charset="-122"/>
+                    <a:cs typeface="Times New Roman" panose="02020603050405020304" pitchFamily="18" charset="0"/>
+                  </a:rPr>
+                  <a:t>反射电磁波</a:t>
+                </a:r>
+                <a14:m>
+                  <m:oMath xmlns:m="http://schemas.openxmlformats.org/officeDocument/2006/math">
+                    <m:sSub>
+                      <m:sSubPr>
+                        <m:ctrlPr>
+                          <a:rPr lang="en-US" altLang="zh-CN" b="1" i="1" dirty="0" smtClean="0">
+                            <a:latin typeface="Cambria Math" panose="02040503050406030204" pitchFamily="18" charset="0"/>
+                            <a:ea typeface="Adobe 宋体 Std L" panose="02020300000000000000" pitchFamily="18" charset="-122"/>
+                            <a:cs typeface="Times New Roman" panose="02020603050405020304" pitchFamily="18" charset="0"/>
+                          </a:rPr>
+                        </m:ctrlPr>
+                      </m:sSubPr>
+                      <m:e>
+                        <m:acc>
+                          <m:accPr>
+                            <m:chr m:val="̃"/>
+                            <m:ctrlPr>
+                              <a:rPr lang="en-US" altLang="zh-CN" b="1" i="1" dirty="0" smtClean="0">
+                                <a:latin typeface="Cambria Math" panose="02040503050406030204" pitchFamily="18" charset="0"/>
+                                <a:ea typeface="Adobe 宋体 Std L" panose="02020300000000000000" pitchFamily="18" charset="-122"/>
+                                <a:cs typeface="Times New Roman" panose="02020603050405020304" pitchFamily="18" charset="0"/>
+                              </a:rPr>
+                            </m:ctrlPr>
+                          </m:accPr>
+                          <m:e>
+                            <m:r>
+                              <a:rPr lang="en-US" altLang="zh-CN" b="1" i="1" dirty="0">
+                                <a:latin typeface="Cambria Math" panose="02040503050406030204" pitchFamily="18" charset="0"/>
+                                <a:ea typeface="Adobe 宋体 Std L" panose="02020300000000000000" pitchFamily="18" charset="-122"/>
+                                <a:cs typeface="Times New Roman" panose="02020603050405020304" pitchFamily="18" charset="0"/>
+                              </a:rPr>
+                              <m:t>𝑬</m:t>
+                            </m:r>
+                          </m:e>
+                        </m:acc>
+                      </m:e>
+                      <m:sub>
+                        <m:r>
+                          <a:rPr lang="en-US" altLang="zh-CN" b="1" i="1" dirty="0" smtClean="0">
+                            <a:latin typeface="Cambria Math" panose="02040503050406030204" pitchFamily="18" charset="0"/>
+                            <a:ea typeface="Adobe 宋体 Std L" panose="02020300000000000000" pitchFamily="18" charset="-122"/>
+                            <a:cs typeface="Times New Roman" panose="02020603050405020304" pitchFamily="18" charset="0"/>
+                          </a:rPr>
+                          <m:t>𝒏</m:t>
+                        </m:r>
+                        <m:r>
+                          <a:rPr lang="en-US" altLang="zh-CN" b="1" i="1" dirty="0" smtClean="0">
+                            <a:latin typeface="Cambria Math" panose="02040503050406030204" pitchFamily="18" charset="0"/>
+                            <a:ea typeface="Adobe 宋体 Std L" panose="02020300000000000000" pitchFamily="18" charset="-122"/>
+                            <a:cs typeface="Times New Roman" panose="02020603050405020304" pitchFamily="18" charset="0"/>
+                          </a:rPr>
+                          <m:t>,</m:t>
+                        </m:r>
+                        <m:r>
+                          <a:rPr lang="en-US" altLang="zh-CN" b="1" i="1" dirty="0" smtClean="0">
+                            <a:latin typeface="Cambria Math" panose="02040503050406030204" pitchFamily="18" charset="0"/>
+                            <a:ea typeface="Adobe 宋体 Std L" panose="02020300000000000000" pitchFamily="18" charset="-122"/>
+                            <a:cs typeface="Times New Roman" panose="02020603050405020304" pitchFamily="18" charset="0"/>
+                          </a:rPr>
+                          <m:t>𝒎</m:t>
+                        </m:r>
+                      </m:sub>
+                    </m:sSub>
+                  </m:oMath>
+                </a14:m>
+                <a:endParaRPr lang="zh-CN" altLang="en-US" b="1" i="1" dirty="0">
+                  <a:latin typeface="Times New Roman" panose="02020603050405020304" pitchFamily="18" charset="0"/>
+                  <a:ea typeface="Adobe 宋体 Std L" panose="02020300000000000000" pitchFamily="18" charset="-122"/>
+                  <a:cs typeface="Times New Roman" panose="02020603050405020304" pitchFamily="18" charset="0"/>
+                </a:endParaRPr>
+              </a:p>
+            </p:txBody>
+          </p:sp>
+        </mc:Choice>
+        <mc:Fallback>
+          <p:sp>
+            <p:nvSpPr>
+              <p:cNvPr id="91" name="箭头: 右 90">
+                <a:extLst>
+                  <a:ext uri="{FF2B5EF4-FFF2-40B4-BE49-F238E27FC236}">
+                    <a16:creationId xmlns:a16="http://schemas.microsoft.com/office/drawing/2014/main" id="{DC0952E6-0BDF-414F-BA58-C294A603BF39}"/>
+                  </a:ext>
+                </a:extLst>
+              </p:cNvPr>
+              <p:cNvSpPr>
+                <a:spLocks noRot="1" noChangeAspect="1" noMove="1" noResize="1" noEditPoints="1" noAdjustHandles="1" noChangeArrowheads="1" noChangeShapeType="1" noTextEdit="1"/>
+              </p:cNvSpPr>
+              <p:nvPr/>
+            </p:nvSpPr>
+            <p:spPr>
+              <a:xfrm>
+                <a:off x="8239701" y="1459877"/>
+                <a:ext cx="2764589" cy="1469041"/>
+              </a:xfrm>
+              <a:prstGeom prst="rightArrow">
+                <a:avLst/>
+              </a:prstGeom>
+              <a:blipFill>
+                <a:blip r:embed="rId3"/>
+                <a:stretch>
+                  <a:fillRect/>
+                </a:stretch>
+              </a:blipFill>
+            </p:spPr>
+            <p:txBody>
+              <a:bodyPr/>
+              <a:lstStyle/>
+              <a:p>
+                <a:r>
+                  <a:rPr lang="zh-CN" altLang="en-US">
+                    <a:noFill/>
+                  </a:rPr>
+                  <a:t> </a:t>
+                </a:r>
+              </a:p>
+            </p:txBody>
+          </p:sp>
+        </mc:Fallback>
+      </mc:AlternateContent>
       <p:sp>
         <p:nvSpPr>
           <p:cNvPr id="92" name="文本框 91">
@@ -7620,8 +7847,8 @@
         </p:nvSpPr>
         <p:spPr>
           <a:xfrm>
-            <a:off x="4003444" y="446168"/>
-            <a:ext cx="2015295" cy="369332"/>
+            <a:off x="4010193" y="446168"/>
+            <a:ext cx="1896673" cy="369332"/>
           </a:xfrm>
           <a:prstGeom prst="rect">
             <a:avLst/>
@@ -7648,20 +7875,20 @@
           <a:lstStyle/>
           <a:p>
             <a:r>
-              <a:rPr lang="en-US" altLang="zh-CN" dirty="0">
+              <a:rPr lang="en-US" altLang="zh-CN" b="1" dirty="0">
                 <a:latin typeface="Times New Roman" panose="02020603050405020304" pitchFamily="18" charset="0"/>
                 <a:ea typeface="Adobe 宋体 Std L" panose="02020300000000000000" pitchFamily="18" charset="-122"/>
                 <a:cs typeface="Times New Roman" panose="02020603050405020304" pitchFamily="18" charset="0"/>
               </a:rPr>
-              <a:t>8×8</a:t>
+              <a:t>8×8 </a:t>
             </a:r>
             <a:r>
-              <a:rPr lang="zh-CN" altLang="en-US" dirty="0">
+              <a:rPr lang="zh-CN" altLang="en-US" b="1" dirty="0">
                 <a:latin typeface="Times New Roman" panose="02020603050405020304" pitchFamily="18" charset="0"/>
                 <a:ea typeface="Adobe 宋体 Std L" panose="02020300000000000000" pitchFamily="18" charset="-122"/>
                 <a:cs typeface="Times New Roman" panose="02020603050405020304" pitchFamily="18" charset="0"/>
               </a:rPr>
-              <a:t>可编程超表面</a:t>
+              <a:t>智能超表面</a:t>
             </a:r>
           </a:p>
         </p:txBody>
@@ -7927,7 +8154,7 @@
         <p:spPr>
           <a:xfrm>
             <a:off x="1048434" y="1804641"/>
-            <a:ext cx="646331" cy="369332"/>
+            <a:ext cx="659155" cy="369332"/>
           </a:xfrm>
           <a:prstGeom prst="rect">
             <a:avLst/>
@@ -8018,7 +8245,7 @@
         <p:spPr>
           <a:xfrm>
             <a:off x="275769" y="4774978"/>
-            <a:ext cx="1107996" cy="369332"/>
+            <a:ext cx="1133644" cy="369332"/>
           </a:xfrm>
           <a:prstGeom prst="rect">
             <a:avLst/>
@@ -8062,7 +8289,7 @@
         <p:spPr>
           <a:xfrm>
             <a:off x="891809" y="3843854"/>
-            <a:ext cx="1465466" cy="369332"/>
+            <a:ext cx="1516762" cy="369332"/>
           </a:xfrm>
           <a:prstGeom prst="rect">
             <a:avLst/>

--- a/Figures/ris.pptx
+++ b/Figures/ris.pptx
@@ -117,12 +117,12 @@
   <pc:docChgLst>
     <pc:chgData userId="d70ee545ee25833c" providerId="LiveId" clId="{063DA4DB-3DEE-4DB4-9788-C4B538D33AA2}"/>
     <pc:docChg chg="undo custSel addSld modSld">
-      <pc:chgData name="" userId="d70ee545ee25833c" providerId="LiveId" clId="{063DA4DB-3DEE-4DB4-9788-C4B538D33AA2}" dt="2021-05-12T13:12:41.503" v="430" actId="20577"/>
+      <pc:chgData name="" userId="d70ee545ee25833c" providerId="LiveId" clId="{063DA4DB-3DEE-4DB4-9788-C4B538D33AA2}" dt="2021-05-18T12:48:43.261" v="436" actId="20577"/>
       <pc:docMkLst>
         <pc:docMk/>
       </pc:docMkLst>
       <pc:sldChg chg="addSp delSp modSp add">
-        <pc:chgData name="" userId="d70ee545ee25833c" providerId="LiveId" clId="{063DA4DB-3DEE-4DB4-9788-C4B538D33AA2}" dt="2021-05-12T13:12:41.503" v="430" actId="20577"/>
+        <pc:chgData name="" userId="d70ee545ee25833c" providerId="LiveId" clId="{063DA4DB-3DEE-4DB4-9788-C4B538D33AA2}" dt="2021-05-18T12:48:43.261" v="436" actId="20577"/>
         <pc:sldMkLst>
           <pc:docMk/>
           <pc:sldMk cId="3595125564" sldId="256"/>
@@ -736,7 +736,7 @@
           </ac:spMkLst>
         </pc:spChg>
         <pc:spChg chg="add mod">
-          <ac:chgData name="" userId="d70ee545ee25833c" providerId="LiveId" clId="{063DA4DB-3DEE-4DB4-9788-C4B538D33AA2}" dt="2021-05-12T13:08:38.767" v="384" actId="113"/>
+          <ac:chgData name="" userId="d70ee545ee25833c" providerId="LiveId" clId="{063DA4DB-3DEE-4DB4-9788-C4B538D33AA2}" dt="2021-05-18T12:48:43.261" v="436" actId="20577"/>
           <ac:spMkLst>
             <pc:docMk/>
             <pc:sldMk cId="3595125564" sldId="256"/>
@@ -992,7 +992,7 @@
           <a:p>
             <a:fld id="{32A64CB1-CBC7-4C43-9A63-7CB5F5682E4F}" type="datetimeFigureOut">
               <a:rPr lang="zh-CN" altLang="en-US" smtClean="0"/>
-              <a:t>2021/5/12</a:t>
+              <a:t>2021/5/18</a:t>
             </a:fld>
             <a:endParaRPr lang="zh-CN" altLang="en-US"/>
           </a:p>
@@ -1190,7 +1190,7 @@
           <a:p>
             <a:fld id="{32A64CB1-CBC7-4C43-9A63-7CB5F5682E4F}" type="datetimeFigureOut">
               <a:rPr lang="zh-CN" altLang="en-US" smtClean="0"/>
-              <a:t>2021/5/12</a:t>
+              <a:t>2021/5/18</a:t>
             </a:fld>
             <a:endParaRPr lang="zh-CN" altLang="en-US"/>
           </a:p>
@@ -1398,7 +1398,7 @@
           <a:p>
             <a:fld id="{32A64CB1-CBC7-4C43-9A63-7CB5F5682E4F}" type="datetimeFigureOut">
               <a:rPr lang="zh-CN" altLang="en-US" smtClean="0"/>
-              <a:t>2021/5/12</a:t>
+              <a:t>2021/5/18</a:t>
             </a:fld>
             <a:endParaRPr lang="zh-CN" altLang="en-US"/>
           </a:p>
@@ -1596,7 +1596,7 @@
           <a:p>
             <a:fld id="{32A64CB1-CBC7-4C43-9A63-7CB5F5682E4F}" type="datetimeFigureOut">
               <a:rPr lang="zh-CN" altLang="en-US" smtClean="0"/>
-              <a:t>2021/5/12</a:t>
+              <a:t>2021/5/18</a:t>
             </a:fld>
             <a:endParaRPr lang="zh-CN" altLang="en-US"/>
           </a:p>
@@ -1871,7 +1871,7 @@
           <a:p>
             <a:fld id="{32A64CB1-CBC7-4C43-9A63-7CB5F5682E4F}" type="datetimeFigureOut">
               <a:rPr lang="zh-CN" altLang="en-US" smtClean="0"/>
-              <a:t>2021/5/12</a:t>
+              <a:t>2021/5/18</a:t>
             </a:fld>
             <a:endParaRPr lang="zh-CN" altLang="en-US"/>
           </a:p>
@@ -2136,7 +2136,7 @@
           <a:p>
             <a:fld id="{32A64CB1-CBC7-4C43-9A63-7CB5F5682E4F}" type="datetimeFigureOut">
               <a:rPr lang="zh-CN" altLang="en-US" smtClean="0"/>
-              <a:t>2021/5/12</a:t>
+              <a:t>2021/5/18</a:t>
             </a:fld>
             <a:endParaRPr lang="zh-CN" altLang="en-US"/>
           </a:p>
@@ -2548,7 +2548,7 @@
           <a:p>
             <a:fld id="{32A64CB1-CBC7-4C43-9A63-7CB5F5682E4F}" type="datetimeFigureOut">
               <a:rPr lang="zh-CN" altLang="en-US" smtClean="0"/>
-              <a:t>2021/5/12</a:t>
+              <a:t>2021/5/18</a:t>
             </a:fld>
             <a:endParaRPr lang="zh-CN" altLang="en-US"/>
           </a:p>
@@ -2689,7 +2689,7 @@
           <a:p>
             <a:fld id="{32A64CB1-CBC7-4C43-9A63-7CB5F5682E4F}" type="datetimeFigureOut">
               <a:rPr lang="zh-CN" altLang="en-US" smtClean="0"/>
-              <a:t>2021/5/12</a:t>
+              <a:t>2021/5/18</a:t>
             </a:fld>
             <a:endParaRPr lang="zh-CN" altLang="en-US"/>
           </a:p>
@@ -2802,7 +2802,7 @@
           <a:p>
             <a:fld id="{32A64CB1-CBC7-4C43-9A63-7CB5F5682E4F}" type="datetimeFigureOut">
               <a:rPr lang="zh-CN" altLang="en-US" smtClean="0"/>
-              <a:t>2021/5/12</a:t>
+              <a:t>2021/5/18</a:t>
             </a:fld>
             <a:endParaRPr lang="zh-CN" altLang="en-US"/>
           </a:p>
@@ -3113,7 +3113,7 @@
           <a:p>
             <a:fld id="{32A64CB1-CBC7-4C43-9A63-7CB5F5682E4F}" type="datetimeFigureOut">
               <a:rPr lang="zh-CN" altLang="en-US" smtClean="0"/>
-              <a:t>2021/5/12</a:t>
+              <a:t>2021/5/18</a:t>
             </a:fld>
             <a:endParaRPr lang="zh-CN" altLang="en-US"/>
           </a:p>
@@ -3401,7 +3401,7 @@
           <a:p>
             <a:fld id="{32A64CB1-CBC7-4C43-9A63-7CB5F5682E4F}" type="datetimeFigureOut">
               <a:rPr lang="zh-CN" altLang="en-US" smtClean="0"/>
-              <a:t>2021/5/12</a:t>
+              <a:t>2021/5/18</a:t>
             </a:fld>
             <a:endParaRPr lang="zh-CN" altLang="en-US"/>
           </a:p>
@@ -3642,7 +3642,7 @@
           <a:p>
             <a:fld id="{32A64CB1-CBC7-4C43-9A63-7CB5F5682E4F}" type="datetimeFigureOut">
               <a:rPr lang="zh-CN" altLang="en-US" smtClean="0"/>
-              <a:t>2021/5/12</a:t>
+              <a:t>2021/5/18</a:t>
             </a:fld>
             <a:endParaRPr lang="zh-CN" altLang="en-US"/>
           </a:p>
@@ -7505,8 +7505,8 @@
           </a:fontRef>
         </p:style>
       </p:cxnSp>
-      <mc:AlternateContent xmlns:mc="http://schemas.openxmlformats.org/markup-compatibility/2006">
-        <mc:Choice xmlns:a14="http://schemas.microsoft.com/office/drawing/2010/main" Requires="a14">
+      <mc:AlternateContent xmlns:mc="http://schemas.openxmlformats.org/markup-compatibility/2006" xmlns:a14="http://schemas.microsoft.com/office/drawing/2010/main">
+        <mc:Choice Requires="a14">
           <p:sp>
             <p:nvSpPr>
               <p:cNvPr id="90" name="箭头: 右 89">
@@ -7617,7 +7617,7 @@
             </p:txBody>
           </p:sp>
         </mc:Choice>
-        <mc:Fallback>
+        <mc:Fallback xmlns="">
           <p:sp>
             <p:nvSpPr>
               <p:cNvPr id="90" name="箭头: 右 89">
@@ -7662,8 +7662,8 @@
           </p:sp>
         </mc:Fallback>
       </mc:AlternateContent>
-      <mc:AlternateContent xmlns:mc="http://schemas.openxmlformats.org/markup-compatibility/2006">
-        <mc:Choice xmlns:a14="http://schemas.microsoft.com/office/drawing/2010/main" Requires="a14">
+      <mc:AlternateContent xmlns:mc="http://schemas.openxmlformats.org/markup-compatibility/2006" xmlns:a14="http://schemas.microsoft.com/office/drawing/2010/main">
+        <mc:Choice Requires="a14">
           <p:sp>
             <p:nvSpPr>
               <p:cNvPr id="91" name="箭头: 右 90">
@@ -7788,7 +7788,7 @@
             </p:txBody>
           </p:sp>
         </mc:Choice>
-        <mc:Fallback>
+        <mc:Fallback xmlns="">
           <p:sp>
             <p:nvSpPr>
               <p:cNvPr id="91" name="箭头: 右 90">
@@ -8048,7 +8048,7 @@
         <p:spPr>
           <a:xfrm>
             <a:off x="1415657" y="1200064"/>
-            <a:ext cx="1059906" cy="369332"/>
+            <a:ext cx="1077539" cy="369332"/>
           </a:xfrm>
           <a:prstGeom prst="rect">
             <a:avLst/>
@@ -8070,7 +8070,7 @@
               <a:t>单元</a:t>
             </a:r>
             <a:r>
-              <a:rPr lang="en-US" altLang="zh-CN" i="1" dirty="0" err="1">
+              <a:rPr lang="en-US" altLang="zh-CN" i="1">
                 <a:latin typeface="Times New Roman" panose="02020603050405020304" pitchFamily="18" charset="0"/>
                 <a:ea typeface="Adobe 宋体 Std L" panose="02020300000000000000" pitchFamily="18" charset="-122"/>
                 <a:cs typeface="Times New Roman" panose="02020603050405020304" pitchFamily="18" charset="0"/>
@@ -8078,12 +8078,12 @@
               <a:t>U</a:t>
             </a:r>
             <a:r>
-              <a:rPr lang="en-US" altLang="zh-CN" i="1" baseline="-25000" dirty="0" err="1">
+              <a:rPr lang="en-US" altLang="zh-CN" i="1" baseline="-25000">
                 <a:latin typeface="Times New Roman" panose="02020603050405020304" pitchFamily="18" charset="0"/>
                 <a:ea typeface="Adobe 宋体 Std L" panose="02020300000000000000" pitchFamily="18" charset="-122"/>
                 <a:cs typeface="Times New Roman" panose="02020603050405020304" pitchFamily="18" charset="0"/>
               </a:rPr>
-              <a:t>n,m</a:t>
+              <a:t>m, n</a:t>
             </a:r>
             <a:endParaRPr lang="zh-CN" altLang="en-US" i="1" baseline="-25000" dirty="0">
               <a:latin typeface="Times New Roman" panose="02020603050405020304" pitchFamily="18" charset="0"/>

--- a/Figures/ris.pptx
+++ b/Figures/ris.pptx
@@ -117,12 +117,12 @@
   <pc:docChgLst>
     <pc:chgData userId="d70ee545ee25833c" providerId="LiveId" clId="{063DA4DB-3DEE-4DB4-9788-C4B538D33AA2}"/>
     <pc:docChg chg="undo custSel addSld modSld">
-      <pc:chgData name="" userId="d70ee545ee25833c" providerId="LiveId" clId="{063DA4DB-3DEE-4DB4-9788-C4B538D33AA2}" dt="2021-05-18T12:48:43.261" v="436" actId="20577"/>
+      <pc:chgData name="" userId="d70ee545ee25833c" providerId="LiveId" clId="{063DA4DB-3DEE-4DB4-9788-C4B538D33AA2}" dt="2021-06-04T09:22:08.556" v="443" actId="20577"/>
       <pc:docMkLst>
         <pc:docMk/>
       </pc:docMkLst>
       <pc:sldChg chg="addSp delSp modSp add">
-        <pc:chgData name="" userId="d70ee545ee25833c" providerId="LiveId" clId="{063DA4DB-3DEE-4DB4-9788-C4B538D33AA2}" dt="2021-05-18T12:48:43.261" v="436" actId="20577"/>
+        <pc:chgData name="" userId="d70ee545ee25833c" providerId="LiveId" clId="{063DA4DB-3DEE-4DB4-9788-C4B538D33AA2}" dt="2021-06-04T09:22:08.556" v="443" actId="20577"/>
         <pc:sldMkLst>
           <pc:docMk/>
           <pc:sldMk cId="3595125564" sldId="256"/>
@@ -736,7 +736,7 @@
           </ac:spMkLst>
         </pc:spChg>
         <pc:spChg chg="add mod">
-          <ac:chgData name="" userId="d70ee545ee25833c" providerId="LiveId" clId="{063DA4DB-3DEE-4DB4-9788-C4B538D33AA2}" dt="2021-05-18T12:48:43.261" v="436" actId="20577"/>
+          <ac:chgData name="" userId="d70ee545ee25833c" providerId="LiveId" clId="{063DA4DB-3DEE-4DB4-9788-C4B538D33AA2}" dt="2021-06-04T09:22:08.556" v="443" actId="20577"/>
           <ac:spMkLst>
             <pc:docMk/>
             <pc:sldMk cId="3595125564" sldId="256"/>
@@ -760,7 +760,7 @@
           </ac:spMkLst>
         </pc:spChg>
         <pc:spChg chg="add mod">
-          <ac:chgData name="" userId="d70ee545ee25833c" providerId="LiveId" clId="{063DA4DB-3DEE-4DB4-9788-C4B538D33AA2}" dt="2021-05-12T13:08:38.767" v="384" actId="113"/>
+          <ac:chgData name="" userId="d70ee545ee25833c" providerId="LiveId" clId="{063DA4DB-3DEE-4DB4-9788-C4B538D33AA2}" dt="2021-06-04T09:21:59.302" v="438" actId="20577"/>
           <ac:spMkLst>
             <pc:docMk/>
             <pc:sldMk cId="3595125564" sldId="256"/>
@@ -992,7 +992,7 @@
           <a:p>
             <a:fld id="{32A64CB1-CBC7-4C43-9A63-7CB5F5682E4F}" type="datetimeFigureOut">
               <a:rPr lang="zh-CN" altLang="en-US" smtClean="0"/>
-              <a:t>2021/5/18</a:t>
+              <a:t>2021/6/4</a:t>
             </a:fld>
             <a:endParaRPr lang="zh-CN" altLang="en-US"/>
           </a:p>
@@ -1190,7 +1190,7 @@
           <a:p>
             <a:fld id="{32A64CB1-CBC7-4C43-9A63-7CB5F5682E4F}" type="datetimeFigureOut">
               <a:rPr lang="zh-CN" altLang="en-US" smtClean="0"/>
-              <a:t>2021/5/18</a:t>
+              <a:t>2021/6/4</a:t>
             </a:fld>
             <a:endParaRPr lang="zh-CN" altLang="en-US"/>
           </a:p>
@@ -1398,7 +1398,7 @@
           <a:p>
             <a:fld id="{32A64CB1-CBC7-4C43-9A63-7CB5F5682E4F}" type="datetimeFigureOut">
               <a:rPr lang="zh-CN" altLang="en-US" smtClean="0"/>
-              <a:t>2021/5/18</a:t>
+              <a:t>2021/6/4</a:t>
             </a:fld>
             <a:endParaRPr lang="zh-CN" altLang="en-US"/>
           </a:p>
@@ -1596,7 +1596,7 @@
           <a:p>
             <a:fld id="{32A64CB1-CBC7-4C43-9A63-7CB5F5682E4F}" type="datetimeFigureOut">
               <a:rPr lang="zh-CN" altLang="en-US" smtClean="0"/>
-              <a:t>2021/5/18</a:t>
+              <a:t>2021/6/4</a:t>
             </a:fld>
             <a:endParaRPr lang="zh-CN" altLang="en-US"/>
           </a:p>
@@ -1871,7 +1871,7 @@
           <a:p>
             <a:fld id="{32A64CB1-CBC7-4C43-9A63-7CB5F5682E4F}" type="datetimeFigureOut">
               <a:rPr lang="zh-CN" altLang="en-US" smtClean="0"/>
-              <a:t>2021/5/18</a:t>
+              <a:t>2021/6/4</a:t>
             </a:fld>
             <a:endParaRPr lang="zh-CN" altLang="en-US"/>
           </a:p>
@@ -2136,7 +2136,7 @@
           <a:p>
             <a:fld id="{32A64CB1-CBC7-4C43-9A63-7CB5F5682E4F}" type="datetimeFigureOut">
               <a:rPr lang="zh-CN" altLang="en-US" smtClean="0"/>
-              <a:t>2021/5/18</a:t>
+              <a:t>2021/6/4</a:t>
             </a:fld>
             <a:endParaRPr lang="zh-CN" altLang="en-US"/>
           </a:p>
@@ -2548,7 +2548,7 @@
           <a:p>
             <a:fld id="{32A64CB1-CBC7-4C43-9A63-7CB5F5682E4F}" type="datetimeFigureOut">
               <a:rPr lang="zh-CN" altLang="en-US" smtClean="0"/>
-              <a:t>2021/5/18</a:t>
+              <a:t>2021/6/4</a:t>
             </a:fld>
             <a:endParaRPr lang="zh-CN" altLang="en-US"/>
           </a:p>
@@ -2689,7 +2689,7 @@
           <a:p>
             <a:fld id="{32A64CB1-CBC7-4C43-9A63-7CB5F5682E4F}" type="datetimeFigureOut">
               <a:rPr lang="zh-CN" altLang="en-US" smtClean="0"/>
-              <a:t>2021/5/18</a:t>
+              <a:t>2021/6/4</a:t>
             </a:fld>
             <a:endParaRPr lang="zh-CN" altLang="en-US"/>
           </a:p>
@@ -2802,7 +2802,7 @@
           <a:p>
             <a:fld id="{32A64CB1-CBC7-4C43-9A63-7CB5F5682E4F}" type="datetimeFigureOut">
               <a:rPr lang="zh-CN" altLang="en-US" smtClean="0"/>
-              <a:t>2021/5/18</a:t>
+              <a:t>2021/6/4</a:t>
             </a:fld>
             <a:endParaRPr lang="zh-CN" altLang="en-US"/>
           </a:p>
@@ -3113,7 +3113,7 @@
           <a:p>
             <a:fld id="{32A64CB1-CBC7-4C43-9A63-7CB5F5682E4F}" type="datetimeFigureOut">
               <a:rPr lang="zh-CN" altLang="en-US" smtClean="0"/>
-              <a:t>2021/5/18</a:t>
+              <a:t>2021/6/4</a:t>
             </a:fld>
             <a:endParaRPr lang="zh-CN" altLang="en-US"/>
           </a:p>
@@ -3401,7 +3401,7 @@
           <a:p>
             <a:fld id="{32A64CB1-CBC7-4C43-9A63-7CB5F5682E4F}" type="datetimeFigureOut">
               <a:rPr lang="zh-CN" altLang="en-US" smtClean="0"/>
-              <a:t>2021/5/18</a:t>
+              <a:t>2021/6/4</a:t>
             </a:fld>
             <a:endParaRPr lang="zh-CN" altLang="en-US"/>
           </a:p>
@@ -3642,7 +3642,7 @@
           <a:p>
             <a:fld id="{32A64CB1-CBC7-4C43-9A63-7CB5F5682E4F}" type="datetimeFigureOut">
               <a:rPr lang="zh-CN" altLang="en-US" smtClean="0"/>
-              <a:t>2021/5/18</a:t>
+              <a:t>2021/6/4</a:t>
             </a:fld>
             <a:endParaRPr lang="zh-CN" altLang="en-US"/>
           </a:p>
@@ -8083,7 +8083,15 @@
                 <a:ea typeface="Adobe 宋体 Std L" panose="02020300000000000000" pitchFamily="18" charset="-122"/>
                 <a:cs typeface="Times New Roman" panose="02020603050405020304" pitchFamily="18" charset="0"/>
               </a:rPr>
-              <a:t>m, n</a:t>
+              <a:t>n, </a:t>
+            </a:r>
+            <a:r>
+              <a:rPr lang="en-US" altLang="zh-CN" i="1" baseline="-25000" dirty="0">
+                <a:latin typeface="Times New Roman" panose="02020603050405020304" pitchFamily="18" charset="0"/>
+                <a:ea typeface="Adobe 宋体 Std L" panose="02020300000000000000" pitchFamily="18" charset="-122"/>
+                <a:cs typeface="Times New Roman" panose="02020603050405020304" pitchFamily="18" charset="0"/>
+              </a:rPr>
+              <a:t>m</a:t>
             </a:r>
             <a:endParaRPr lang="zh-CN" altLang="en-US" i="1" baseline="-25000" dirty="0">
               <a:latin typeface="Times New Roman" panose="02020603050405020304" pitchFamily="18" charset="0"/>
